--- a/lez 13/lez 13.pptx
+++ b/lez 13/lez 13.pptx
@@ -13,8 +13,8 @@
   </p:handoutMasterIdLst>
   <p:sldIdLst>
     <p:sldId id="266" r:id="rId3"/>
-    <p:sldId id="281" r:id="rId4"/>
-    <p:sldId id="283" r:id="rId5"/>
+    <p:sldId id="283" r:id="rId4"/>
+    <p:sldId id="281" r:id="rId5"/>
     <p:sldId id="264" r:id="rId6"/>
     <p:sldId id="273" r:id="rId7"/>
     <p:sldId id="271" r:id="rId8"/>
@@ -7519,9 +7519,14 @@
           <a:p>
             <a:pPr algn="ctr"/>
             <a:r>
-              <a:rPr lang="it-IT" altLang="it-IT" sz="3200" dirty="0" smtClean="0"/>
-              <a:t>Lezione 12 </a:t>
-            </a:r>
+              <a:rPr lang="it-IT" altLang="it-IT" sz="3200" smtClean="0"/>
+              <a:t>Lezione </a:t>
+            </a:r>
+            <a:r>
+              <a:rPr lang="it-IT" altLang="it-IT" sz="3200" smtClean="0"/>
+              <a:t>13 </a:t>
+            </a:r>
+            <a:endParaRPr lang="it-IT" altLang="it-IT" sz="3200" dirty="0" smtClean="0"/>
           </a:p>
         </p:txBody>
       </p:sp>
@@ -11874,7 +11879,11 @@
           <a:p>
             <a:r>
               <a:rPr lang="it-IT" altLang="it-IT" dirty="0" err="1" smtClean="0"/>
-              <a:t>Collections</a:t>
+              <a:t>Generics</a:t>
+            </a:r>
+            <a:r>
+              <a:rPr lang="it-IT" altLang="it-IT" dirty="0" smtClean="0"/>
+              <a:t> in Java</a:t>
             </a:r>
             <a:endParaRPr lang="it-IT" altLang="it-IT" dirty="0" smtClean="0"/>
           </a:p>
@@ -11995,34 +12004,2052 @@
           </a:p>
         </p:txBody>
       </p:sp>
-      <p:pic>
-        <p:nvPicPr>
-          <p:cNvPr id="3" name="Picture 2"/>
-          <p:cNvPicPr>
-            <a:picLocks noChangeAspect="1"/>
-          </p:cNvPicPr>
+      <p:sp>
+        <p:nvSpPr>
+          <p:cNvPr id="2" name="TextBox 1"/>
+          <p:cNvSpPr txBox="1"/>
           <p:nvPr/>
-        </p:nvPicPr>
-        <p:blipFill>
-          <a:blip r:embed="rId2"/>
-          <a:stretch>
-            <a:fillRect/>
-          </a:stretch>
-        </p:blipFill>
+        </p:nvSpPr>
         <p:spPr>
           <a:xfrm>
-            <a:off x="1206352" y="1916832"/>
-            <a:ext cx="6937669" cy="2043286"/>
+            <a:off x="457200" y="913905"/>
+            <a:ext cx="7806299" cy="1477328"/>
+          </a:xfrm>
+          <a:prstGeom prst="rect">
+            <a:avLst/>
+          </a:prstGeom>
+          <a:noFill/>
+        </p:spPr>
+        <p:txBody>
+          <a:bodyPr wrap="square" rtlCol="0">
+            <a:spAutoFit/>
+          </a:bodyPr>
+          <a:lstStyle/>
+          <a:p>
+            <a:r>
+              <a:rPr lang="en-US" dirty="0" smtClean="0"/>
+              <a:t>E’ un</a:t>
+            </a:r>
+            <a:r>
+              <a:rPr lang="en-US" dirty="0"/>
+              <a:t> </a:t>
+            </a:r>
+            <a:r>
+              <a:rPr lang="en-US" dirty="0" err="1"/>
+              <a:t>semplice</a:t>
+            </a:r>
+            <a:r>
+              <a:rPr lang="en-US" dirty="0"/>
+              <a:t> </a:t>
+            </a:r>
+            <a:r>
+              <a:rPr lang="en-US" dirty="0" smtClean="0"/>
+              <a:t>ma </a:t>
+            </a:r>
+            <a:r>
+              <a:rPr lang="en-US" dirty="0" err="1" smtClean="0"/>
+              <a:t>potente</a:t>
+            </a:r>
+            <a:r>
+              <a:rPr lang="en-US" dirty="0" smtClean="0"/>
+              <a:t> </a:t>
+            </a:r>
+            <a:r>
+              <a:rPr lang="en-US" dirty="0" err="1" smtClean="0"/>
+              <a:t>meccanismo</a:t>
+            </a:r>
+            <a:r>
+              <a:rPr lang="en-US" dirty="0"/>
+              <a:t>, </a:t>
+            </a:r>
+            <a:r>
+              <a:rPr lang="en-US" dirty="0" err="1"/>
+              <a:t>usato</a:t>
+            </a:r>
+            <a:r>
+              <a:rPr lang="en-US" dirty="0"/>
+              <a:t> a tempo di </a:t>
+            </a:r>
+            <a:r>
+              <a:rPr lang="en-US" dirty="0" err="1"/>
+              <a:t>compilazione</a:t>
+            </a:r>
+            <a:r>
+              <a:rPr lang="en-US" dirty="0"/>
+              <a:t>, </a:t>
+            </a:r>
+            <a:r>
+              <a:rPr lang="en-US" dirty="0" err="1"/>
+              <a:t>che</a:t>
+            </a:r>
+            <a:r>
+              <a:rPr lang="en-US" dirty="0"/>
+              <a:t> ci </a:t>
+            </a:r>
+            <a:r>
+              <a:rPr lang="en-US" dirty="0" err="1"/>
+              <a:t>consente</a:t>
+            </a:r>
+            <a:r>
+              <a:rPr lang="en-US" dirty="0"/>
+              <a:t> </a:t>
+            </a:r>
+            <a:r>
+              <a:rPr lang="en-US" dirty="0" smtClean="0"/>
+              <a:t>la </a:t>
+            </a:r>
+            <a:r>
+              <a:rPr lang="en-US" dirty="0" err="1" smtClean="0"/>
+              <a:t>definizione</a:t>
+            </a:r>
+            <a:r>
+              <a:rPr lang="en-US" dirty="0" smtClean="0"/>
+              <a:t> </a:t>
+            </a:r>
+            <a:r>
+              <a:rPr lang="en-US" dirty="0"/>
+              <a:t>di un </a:t>
+            </a:r>
+            <a:r>
+              <a:rPr lang="en-US" dirty="0" err="1"/>
+              <a:t>tipo</a:t>
+            </a:r>
+            <a:r>
+              <a:rPr lang="en-US" dirty="0"/>
+              <a:t> </a:t>
+            </a:r>
+            <a:r>
+              <a:rPr lang="en-US" dirty="0" err="1" smtClean="0"/>
+              <a:t>parametrizzato</a:t>
+            </a:r>
+            <a:r>
+              <a:rPr lang="en-US" dirty="0" smtClean="0"/>
+              <a:t>.</a:t>
+            </a:r>
+          </a:p>
+          <a:p>
+            <a:endParaRPr lang="en-US" dirty="0"/>
+          </a:p>
+          <a:p>
+            <a:r>
+              <a:rPr lang="en-US" dirty="0" smtClean="0"/>
+              <a:t>La </a:t>
+            </a:r>
+            <a:r>
+              <a:rPr lang="en-US" dirty="0" err="1"/>
+              <a:t>sua</a:t>
+            </a:r>
+            <a:r>
+              <a:rPr lang="en-US" dirty="0"/>
+              <a:t> </a:t>
+            </a:r>
+            <a:r>
+              <a:rPr lang="en-US" dirty="0" err="1"/>
+              <a:t>importanza</a:t>
+            </a:r>
+            <a:r>
+              <a:rPr lang="en-US" dirty="0"/>
+              <a:t> </a:t>
+            </a:r>
+            <a:r>
+              <a:rPr lang="en-US" dirty="0" err="1"/>
+              <a:t>risulta</a:t>
+            </a:r>
+            <a:r>
+              <a:rPr lang="en-US" dirty="0"/>
+              <a:t> </a:t>
+            </a:r>
+            <a:r>
+              <a:rPr lang="en-US" dirty="0" err="1"/>
+              <a:t>evidente</a:t>
+            </a:r>
+            <a:r>
+              <a:rPr lang="en-US" dirty="0"/>
+              <a:t> </a:t>
+            </a:r>
+            <a:r>
+              <a:rPr lang="en-US" dirty="0" err="1"/>
+              <a:t>nel</a:t>
+            </a:r>
+            <a:r>
+              <a:rPr lang="en-US" dirty="0"/>
+              <a:t> </a:t>
+            </a:r>
+            <a:r>
+              <a:rPr lang="en-US" dirty="0" err="1"/>
+              <a:t>caso</a:t>
+            </a:r>
+            <a:r>
+              <a:rPr lang="en-US" dirty="0"/>
+              <a:t> di </a:t>
+            </a:r>
+            <a:r>
+              <a:rPr lang="en-US" dirty="0" err="1"/>
+              <a:t>oggetti</a:t>
+            </a:r>
+            <a:r>
+              <a:rPr lang="en-US" dirty="0"/>
+              <a:t> </a:t>
+            </a:r>
+            <a:r>
+              <a:rPr lang="en-US" dirty="0" err="1"/>
+              <a:t>contenitore</a:t>
+            </a:r>
+            <a:r>
+              <a:rPr lang="en-US" dirty="0"/>
+              <a:t>, come le </a:t>
+            </a:r>
+            <a:r>
+              <a:rPr lang="en-US" dirty="0" smtClean="0"/>
+              <a:t>Collection.</a:t>
+            </a:r>
+            <a:endParaRPr lang="en-US" dirty="0"/>
+          </a:p>
+        </p:txBody>
+      </p:sp>
+      <p:sp>
+        <p:nvSpPr>
+          <p:cNvPr id="6" name="Rectangle 5"/>
+          <p:cNvSpPr/>
+          <p:nvPr/>
+        </p:nvSpPr>
+        <p:spPr>
+          <a:xfrm>
+            <a:off x="179512" y="2474586"/>
+            <a:ext cx="6607175" cy="4185761"/>
           </a:xfrm>
           <a:prstGeom prst="rect">
             <a:avLst/>
           </a:prstGeom>
         </p:spPr>
-      </p:pic>
+        <p:txBody>
+          <a:bodyPr wrap="square">
+            <a:spAutoFit/>
+          </a:bodyPr>
+          <a:lstStyle/>
+          <a:p>
+            <a:r>
+              <a:rPr lang="en-US" sz="1400" b="1" smtClean="0">
+                <a:solidFill>
+                  <a:srgbClr val="0F7001"/>
+                </a:solidFill>
+                <a:latin typeface="Courier-Bold" charset="0"/>
+              </a:rPr>
+              <a:t>public</a:t>
+            </a:r>
+            <a:r>
+              <a:rPr lang="en-US" sz="1400" smtClean="0">
+                <a:solidFill>
+                  <a:srgbClr val="000000"/>
+                </a:solidFill>
+                <a:latin typeface="Courier" charset="0"/>
+              </a:rPr>
+              <a:t> </a:t>
+            </a:r>
+            <a:r>
+              <a:rPr lang="en-US" sz="1400" b="1" smtClean="0">
+                <a:solidFill>
+                  <a:srgbClr val="0F7001"/>
+                </a:solidFill>
+                <a:latin typeface="Courier-Bold" charset="0"/>
+              </a:rPr>
+              <a:t>class</a:t>
+            </a:r>
+            <a:r>
+              <a:rPr lang="en-US" sz="1400" smtClean="0">
+                <a:solidFill>
+                  <a:srgbClr val="000000"/>
+                </a:solidFill>
+                <a:latin typeface="Courier" charset="0"/>
+              </a:rPr>
+              <a:t> </a:t>
+            </a:r>
+            <a:r>
+              <a:rPr lang="en-US" sz="1400" b="1" smtClean="0">
+                <a:solidFill>
+                  <a:srgbClr val="0000FF"/>
+                </a:solidFill>
+                <a:latin typeface="Courier-Bold" charset="0"/>
+              </a:rPr>
+              <a:t>Gen</a:t>
+            </a:r>
+            <a:r>
+              <a:rPr lang="en-US" sz="1400" smtClean="0">
+                <a:solidFill>
+                  <a:srgbClr val="535353"/>
+                </a:solidFill>
+                <a:latin typeface="Courier" charset="0"/>
+              </a:rPr>
+              <a:t>&lt;</a:t>
+            </a:r>
+            <a:r>
+              <a:rPr lang="en-US" sz="1400" smtClean="0">
+                <a:solidFill>
+                  <a:srgbClr val="000000"/>
+                </a:solidFill>
+                <a:latin typeface="Courier" charset="0"/>
+              </a:rPr>
+              <a:t>X</a:t>
+            </a:r>
+            <a:r>
+              <a:rPr lang="en-US" sz="1400" smtClean="0">
+                <a:solidFill>
+                  <a:srgbClr val="535353"/>
+                </a:solidFill>
+                <a:latin typeface="Courier" charset="0"/>
+              </a:rPr>
+              <a:t>,</a:t>
+            </a:r>
+            <a:r>
+              <a:rPr lang="en-US" sz="1400" smtClean="0">
+                <a:solidFill>
+                  <a:srgbClr val="000000"/>
+                </a:solidFill>
+                <a:latin typeface="Courier" charset="0"/>
+              </a:rPr>
+              <a:t>Y</a:t>
+            </a:r>
+            <a:r>
+              <a:rPr lang="en-US" sz="1400" smtClean="0">
+                <a:solidFill>
+                  <a:srgbClr val="535353"/>
+                </a:solidFill>
+                <a:latin typeface="Courier" charset="0"/>
+              </a:rPr>
+              <a:t>&gt;</a:t>
+            </a:r>
+            <a:r>
+              <a:rPr lang="en-US" sz="1400" smtClean="0">
+                <a:solidFill>
+                  <a:srgbClr val="000000"/>
+                </a:solidFill>
+                <a:latin typeface="Courier" charset="0"/>
+              </a:rPr>
+              <a:t> </a:t>
+            </a:r>
+            <a:r>
+              <a:rPr lang="en-US" sz="1400" smtClean="0">
+                <a:solidFill>
+                  <a:srgbClr val="535353"/>
+                </a:solidFill>
+                <a:latin typeface="Courier" charset="0"/>
+              </a:rPr>
+              <a:t>{</a:t>
+            </a:r>
+            <a:endParaRPr lang="en-US" sz="1400" smtClean="0">
+              <a:solidFill>
+                <a:srgbClr val="000000"/>
+              </a:solidFill>
+              <a:latin typeface="Courier" charset="0"/>
+            </a:endParaRPr>
+          </a:p>
+          <a:p>
+            <a:r>
+              <a:rPr lang="en-US" sz="1400" dirty="0" smtClean="0">
+                <a:solidFill>
+                  <a:srgbClr val="000000"/>
+                </a:solidFill>
+                <a:latin typeface="Courier" charset="0"/>
+              </a:rPr>
+              <a:t>  </a:t>
+            </a:r>
+            <a:r>
+              <a:rPr lang="en-US" sz="1400" b="1" dirty="0" smtClean="0">
+                <a:solidFill>
+                  <a:srgbClr val="0F7001"/>
+                </a:solidFill>
+                <a:latin typeface="Courier-Bold" charset="0"/>
+              </a:rPr>
+              <a:t>private</a:t>
+            </a:r>
+            <a:r>
+              <a:rPr lang="en-US" sz="1400" dirty="0" smtClean="0">
+                <a:solidFill>
+                  <a:srgbClr val="000000"/>
+                </a:solidFill>
+                <a:latin typeface="Courier" charset="0"/>
+              </a:rPr>
+              <a:t> </a:t>
+            </a:r>
+            <a:r>
+              <a:rPr lang="en-US" sz="1400" b="1" dirty="0" smtClean="0">
+                <a:solidFill>
+                  <a:srgbClr val="0F7001"/>
+                </a:solidFill>
+                <a:latin typeface="Courier-Bold" charset="0"/>
+              </a:rPr>
+              <a:t>final</a:t>
+            </a:r>
+            <a:r>
+              <a:rPr lang="en-US" sz="1400" dirty="0" smtClean="0">
+                <a:solidFill>
+                  <a:srgbClr val="000000"/>
+                </a:solidFill>
+                <a:latin typeface="Courier" charset="0"/>
+              </a:rPr>
+              <a:t> X var1</a:t>
+            </a:r>
+            <a:r>
+              <a:rPr lang="en-US" sz="1400" dirty="0" smtClean="0">
+                <a:solidFill>
+                  <a:srgbClr val="535353"/>
+                </a:solidFill>
+                <a:latin typeface="Courier" charset="0"/>
+              </a:rPr>
+              <a:t>;</a:t>
+            </a:r>
+            <a:endParaRPr lang="en-US" sz="1400" dirty="0" smtClean="0">
+              <a:solidFill>
+                <a:srgbClr val="000000"/>
+              </a:solidFill>
+              <a:latin typeface="Courier" charset="0"/>
+            </a:endParaRPr>
+          </a:p>
+          <a:p>
+            <a:r>
+              <a:rPr lang="en-US" sz="1400" dirty="0" smtClean="0">
+                <a:solidFill>
+                  <a:srgbClr val="000000"/>
+                </a:solidFill>
+                <a:latin typeface="Courier" charset="0"/>
+              </a:rPr>
+              <a:t>  </a:t>
+            </a:r>
+            <a:r>
+              <a:rPr lang="en-US" sz="1400" b="1" dirty="0" smtClean="0">
+                <a:solidFill>
+                  <a:srgbClr val="0F7001"/>
+                </a:solidFill>
+                <a:latin typeface="Courier-Bold" charset="0"/>
+              </a:rPr>
+              <a:t>private</a:t>
+            </a:r>
+            <a:r>
+              <a:rPr lang="en-US" sz="1400" dirty="0" smtClean="0">
+                <a:solidFill>
+                  <a:srgbClr val="000000"/>
+                </a:solidFill>
+                <a:latin typeface="Courier" charset="0"/>
+              </a:rPr>
+              <a:t> </a:t>
+            </a:r>
+            <a:r>
+              <a:rPr lang="en-US" sz="1400" b="1" dirty="0" smtClean="0">
+                <a:solidFill>
+                  <a:srgbClr val="0F7001"/>
+                </a:solidFill>
+                <a:latin typeface="Courier-Bold" charset="0"/>
+              </a:rPr>
+              <a:t>final</a:t>
+            </a:r>
+            <a:r>
+              <a:rPr lang="en-US" sz="1400" dirty="0" smtClean="0">
+                <a:solidFill>
+                  <a:srgbClr val="000000"/>
+                </a:solidFill>
+                <a:latin typeface="Courier" charset="0"/>
+              </a:rPr>
+              <a:t> Y var2</a:t>
+            </a:r>
+            <a:r>
+              <a:rPr lang="en-US" sz="1400" dirty="0" smtClean="0">
+                <a:solidFill>
+                  <a:srgbClr val="535353"/>
+                </a:solidFill>
+                <a:latin typeface="Courier" charset="0"/>
+              </a:rPr>
+              <a:t>;</a:t>
+            </a:r>
+            <a:endParaRPr lang="en-US" sz="1400" dirty="0" smtClean="0">
+              <a:solidFill>
+                <a:srgbClr val="000000"/>
+              </a:solidFill>
+              <a:latin typeface="Courier" charset="0"/>
+            </a:endParaRPr>
+          </a:p>
+          <a:p>
+            <a:endParaRPr lang="en-US" sz="1400" dirty="0" smtClean="0">
+              <a:solidFill>
+                <a:srgbClr val="000000"/>
+              </a:solidFill>
+              <a:latin typeface="Courier" charset="0"/>
+            </a:endParaRPr>
+          </a:p>
+          <a:p>
+            <a:r>
+              <a:rPr lang="es-ES_tradnl" sz="1400" dirty="0" smtClean="0">
+                <a:solidFill>
+                  <a:srgbClr val="000000"/>
+                </a:solidFill>
+                <a:latin typeface="Courier" charset="0"/>
+              </a:rPr>
+              <a:t>  </a:t>
+            </a:r>
+            <a:r>
+              <a:rPr lang="es-ES_tradnl" sz="1400" b="1" dirty="0" err="1" smtClean="0">
+                <a:solidFill>
+                  <a:srgbClr val="0F7001"/>
+                </a:solidFill>
+                <a:latin typeface="Courier-Bold" charset="0"/>
+              </a:rPr>
+              <a:t>public</a:t>
+            </a:r>
+            <a:r>
+              <a:rPr lang="es-ES_tradnl" sz="1400" dirty="0" smtClean="0">
+                <a:solidFill>
+                  <a:srgbClr val="000000"/>
+                </a:solidFill>
+                <a:latin typeface="Courier" charset="0"/>
+              </a:rPr>
+              <a:t> </a:t>
+            </a:r>
+            <a:r>
+              <a:rPr lang="es-ES_tradnl" sz="1400" dirty="0" smtClean="0">
+                <a:solidFill>
+                  <a:srgbClr val="0000FF"/>
+                </a:solidFill>
+                <a:latin typeface="Courier" charset="0"/>
+              </a:rPr>
+              <a:t>Gen</a:t>
+            </a:r>
+            <a:r>
+              <a:rPr lang="es-ES_tradnl" sz="1400" dirty="0" smtClean="0">
+                <a:solidFill>
+                  <a:srgbClr val="535353"/>
+                </a:solidFill>
+                <a:latin typeface="Courier" charset="0"/>
+              </a:rPr>
+              <a:t>(</a:t>
+            </a:r>
+            <a:r>
+              <a:rPr lang="es-ES_tradnl" sz="1400" dirty="0" smtClean="0">
+                <a:solidFill>
+                  <a:srgbClr val="000000"/>
+                </a:solidFill>
+                <a:latin typeface="Courier" charset="0"/>
+              </a:rPr>
+              <a:t>X </a:t>
+            </a:r>
+            <a:r>
+              <a:rPr lang="es-ES_tradnl" sz="1400" dirty="0" err="1" smtClean="0">
+                <a:solidFill>
+                  <a:srgbClr val="000000"/>
+                </a:solidFill>
+                <a:latin typeface="Courier" charset="0"/>
+              </a:rPr>
+              <a:t>x</a:t>
+            </a:r>
+            <a:r>
+              <a:rPr lang="es-ES_tradnl" sz="1400" dirty="0" err="1" smtClean="0">
+                <a:solidFill>
+                  <a:srgbClr val="535353"/>
+                </a:solidFill>
+                <a:latin typeface="Courier" charset="0"/>
+              </a:rPr>
+              <a:t>,</a:t>
+            </a:r>
+            <a:r>
+              <a:rPr lang="es-ES_tradnl" sz="1400" dirty="0" err="1" smtClean="0">
+                <a:solidFill>
+                  <a:srgbClr val="000000"/>
+                </a:solidFill>
+                <a:latin typeface="Courier" charset="0"/>
+              </a:rPr>
+              <a:t>Y</a:t>
+            </a:r>
+            <a:r>
+              <a:rPr lang="es-ES_tradnl" sz="1400" dirty="0" smtClean="0">
+                <a:solidFill>
+                  <a:srgbClr val="000000"/>
+                </a:solidFill>
+                <a:latin typeface="Courier" charset="0"/>
+              </a:rPr>
+              <a:t> y</a:t>
+            </a:r>
+            <a:r>
+              <a:rPr lang="es-ES_tradnl" sz="1400" dirty="0" smtClean="0">
+                <a:solidFill>
+                  <a:srgbClr val="535353"/>
+                </a:solidFill>
+                <a:latin typeface="Courier" charset="0"/>
+              </a:rPr>
+              <a:t>)</a:t>
+            </a:r>
+            <a:r>
+              <a:rPr lang="es-ES_tradnl" sz="1400" dirty="0" smtClean="0">
+                <a:solidFill>
+                  <a:srgbClr val="000000"/>
+                </a:solidFill>
+                <a:latin typeface="Courier" charset="0"/>
+              </a:rPr>
+              <a:t> </a:t>
+            </a:r>
+            <a:r>
+              <a:rPr lang="es-ES_tradnl" sz="1400" dirty="0" smtClean="0">
+                <a:solidFill>
+                  <a:srgbClr val="535353"/>
+                </a:solidFill>
+                <a:latin typeface="Courier" charset="0"/>
+              </a:rPr>
+              <a:t>{</a:t>
+            </a:r>
+            <a:r>
+              <a:rPr lang="es-ES_tradnl" sz="1400" dirty="0" smtClean="0">
+                <a:solidFill>
+                  <a:srgbClr val="000000"/>
+                </a:solidFill>
+                <a:latin typeface="Courier" charset="0"/>
+              </a:rPr>
+              <a:t>  </a:t>
+            </a:r>
+          </a:p>
+          <a:p>
+            <a:r>
+              <a:rPr lang="ro-RO" sz="1400" dirty="0" smtClean="0">
+                <a:solidFill>
+                  <a:srgbClr val="000000"/>
+                </a:solidFill>
+                <a:latin typeface="Courier" charset="0"/>
+              </a:rPr>
+              <a:t>    var1 </a:t>
+            </a:r>
+            <a:r>
+              <a:rPr lang="ro-RO" sz="1400" dirty="0" smtClean="0">
+                <a:solidFill>
+                  <a:srgbClr val="535353"/>
+                </a:solidFill>
+                <a:latin typeface="Courier" charset="0"/>
+              </a:rPr>
+              <a:t>=</a:t>
+            </a:r>
+            <a:r>
+              <a:rPr lang="ro-RO" sz="1400" dirty="0" smtClean="0">
+                <a:solidFill>
+                  <a:srgbClr val="000000"/>
+                </a:solidFill>
+                <a:latin typeface="Courier" charset="0"/>
+              </a:rPr>
+              <a:t> x</a:t>
+            </a:r>
+            <a:r>
+              <a:rPr lang="ro-RO" sz="1400" dirty="0" smtClean="0">
+                <a:solidFill>
+                  <a:srgbClr val="535353"/>
+                </a:solidFill>
+                <a:latin typeface="Courier" charset="0"/>
+              </a:rPr>
+              <a:t>;</a:t>
+            </a:r>
+            <a:endParaRPr lang="ro-RO" sz="1400" dirty="0" smtClean="0">
+              <a:solidFill>
+                <a:srgbClr val="000000"/>
+              </a:solidFill>
+              <a:latin typeface="Courier" charset="0"/>
+            </a:endParaRPr>
+          </a:p>
+          <a:p>
+            <a:r>
+              <a:rPr lang="ro-RO" sz="1400" dirty="0" smtClean="0">
+                <a:solidFill>
+                  <a:srgbClr val="000000"/>
+                </a:solidFill>
+                <a:latin typeface="Courier" charset="0"/>
+              </a:rPr>
+              <a:t>    var2 </a:t>
+            </a:r>
+            <a:r>
+              <a:rPr lang="ro-RO" sz="1400" dirty="0" smtClean="0">
+                <a:solidFill>
+                  <a:srgbClr val="535353"/>
+                </a:solidFill>
+                <a:latin typeface="Courier" charset="0"/>
+              </a:rPr>
+              <a:t>=</a:t>
+            </a:r>
+            <a:r>
+              <a:rPr lang="ro-RO" sz="1400" dirty="0" smtClean="0">
+                <a:solidFill>
+                  <a:srgbClr val="000000"/>
+                </a:solidFill>
+                <a:latin typeface="Courier" charset="0"/>
+              </a:rPr>
+              <a:t> y</a:t>
+            </a:r>
+            <a:r>
+              <a:rPr lang="ro-RO" sz="1400" dirty="0" smtClean="0">
+                <a:solidFill>
+                  <a:srgbClr val="535353"/>
+                </a:solidFill>
+                <a:latin typeface="Courier" charset="0"/>
+              </a:rPr>
+              <a:t>;</a:t>
+            </a:r>
+            <a:r>
+              <a:rPr lang="ro-RO" sz="1400" dirty="0" smtClean="0">
+                <a:solidFill>
+                  <a:srgbClr val="000000"/>
+                </a:solidFill>
+                <a:latin typeface="Courier" charset="0"/>
+              </a:rPr>
+              <a:t>   </a:t>
+            </a:r>
+          </a:p>
+          <a:p>
+            <a:r>
+              <a:rPr lang="de-DE" sz="1400" dirty="0" smtClean="0">
+                <a:solidFill>
+                  <a:srgbClr val="000000"/>
+                </a:solidFill>
+                <a:latin typeface="Courier" charset="0"/>
+              </a:rPr>
+              <a:t>  </a:t>
+            </a:r>
+            <a:r>
+              <a:rPr lang="de-DE" sz="1400" dirty="0" smtClean="0">
+                <a:solidFill>
+                  <a:srgbClr val="535353"/>
+                </a:solidFill>
+                <a:latin typeface="Courier" charset="0"/>
+              </a:rPr>
+              <a:t>}</a:t>
+            </a:r>
+            <a:endParaRPr lang="de-DE" sz="1400" dirty="0" smtClean="0">
+              <a:solidFill>
+                <a:srgbClr val="000000"/>
+              </a:solidFill>
+              <a:latin typeface="Courier" charset="0"/>
+            </a:endParaRPr>
+          </a:p>
+          <a:p>
+            <a:r>
+              <a:rPr lang="de-DE" sz="1400" dirty="0" smtClean="0">
+                <a:solidFill>
+                  <a:srgbClr val="000000"/>
+                </a:solidFill>
+                <a:latin typeface="Courier" charset="0"/>
+              </a:rPr>
+              <a:t>  </a:t>
+            </a:r>
+            <a:r>
+              <a:rPr lang="de-DE" sz="1400" b="1" dirty="0" err="1" smtClean="0">
+                <a:solidFill>
+                  <a:srgbClr val="0F7001"/>
+                </a:solidFill>
+                <a:latin typeface="Courier-Bold" charset="0"/>
+              </a:rPr>
+              <a:t>public</a:t>
+            </a:r>
+            <a:r>
+              <a:rPr lang="de-DE" sz="1400" dirty="0" smtClean="0">
+                <a:solidFill>
+                  <a:srgbClr val="000000"/>
+                </a:solidFill>
+                <a:latin typeface="Courier" charset="0"/>
+              </a:rPr>
+              <a:t> X </a:t>
+            </a:r>
+            <a:r>
+              <a:rPr lang="de-DE" sz="1400" dirty="0" smtClean="0">
+                <a:solidFill>
+                  <a:srgbClr val="0000FF"/>
+                </a:solidFill>
+                <a:latin typeface="Courier" charset="0"/>
+              </a:rPr>
+              <a:t>getVar1</a:t>
+            </a:r>
+            <a:r>
+              <a:rPr lang="de-DE" sz="1400" dirty="0" smtClean="0">
+                <a:solidFill>
+                  <a:srgbClr val="535353"/>
+                </a:solidFill>
+                <a:latin typeface="Courier" charset="0"/>
+              </a:rPr>
+              <a:t>()</a:t>
+            </a:r>
+            <a:r>
+              <a:rPr lang="de-DE" sz="1400" dirty="0" smtClean="0">
+                <a:solidFill>
+                  <a:srgbClr val="000000"/>
+                </a:solidFill>
+                <a:latin typeface="Courier" charset="0"/>
+              </a:rPr>
+              <a:t> </a:t>
+            </a:r>
+            <a:r>
+              <a:rPr lang="de-DE" sz="1400" dirty="0" smtClean="0">
+                <a:solidFill>
+                  <a:srgbClr val="535353"/>
+                </a:solidFill>
+                <a:latin typeface="Courier" charset="0"/>
+              </a:rPr>
+              <a:t>{</a:t>
+            </a:r>
+            <a:endParaRPr lang="de-DE" sz="1400" dirty="0" smtClean="0">
+              <a:solidFill>
+                <a:srgbClr val="000000"/>
+              </a:solidFill>
+              <a:latin typeface="Courier" charset="0"/>
+            </a:endParaRPr>
+          </a:p>
+          <a:p>
+            <a:r>
+              <a:rPr lang="de-DE" sz="1400" dirty="0" smtClean="0">
+                <a:solidFill>
+                  <a:srgbClr val="000000"/>
+                </a:solidFill>
+                <a:latin typeface="Courier" charset="0"/>
+              </a:rPr>
+              <a:t>    </a:t>
+            </a:r>
+            <a:r>
+              <a:rPr lang="de-DE" sz="1400" b="1" dirty="0" err="1" smtClean="0">
+                <a:solidFill>
+                  <a:srgbClr val="0F7001"/>
+                </a:solidFill>
+                <a:latin typeface="Courier-Bold" charset="0"/>
+              </a:rPr>
+              <a:t>return</a:t>
+            </a:r>
+            <a:r>
+              <a:rPr lang="de-DE" sz="1400" dirty="0" smtClean="0">
+                <a:solidFill>
+                  <a:srgbClr val="000000"/>
+                </a:solidFill>
+                <a:latin typeface="Courier" charset="0"/>
+              </a:rPr>
+              <a:t> var1</a:t>
+            </a:r>
+            <a:r>
+              <a:rPr lang="de-DE" sz="1400" dirty="0" smtClean="0">
+                <a:solidFill>
+                  <a:srgbClr val="535353"/>
+                </a:solidFill>
+                <a:latin typeface="Courier" charset="0"/>
+              </a:rPr>
+              <a:t>;</a:t>
+            </a:r>
+            <a:endParaRPr lang="de-DE" sz="1400" dirty="0" smtClean="0">
+              <a:solidFill>
+                <a:srgbClr val="000000"/>
+              </a:solidFill>
+              <a:latin typeface="Courier" charset="0"/>
+            </a:endParaRPr>
+          </a:p>
+          <a:p>
+            <a:r>
+              <a:rPr lang="de-DE" sz="1400" dirty="0" smtClean="0">
+                <a:solidFill>
+                  <a:srgbClr val="000000"/>
+                </a:solidFill>
+                <a:latin typeface="Courier" charset="0"/>
+              </a:rPr>
+              <a:t>  </a:t>
+            </a:r>
+            <a:r>
+              <a:rPr lang="de-DE" sz="1400" dirty="0" smtClean="0">
+                <a:solidFill>
+                  <a:srgbClr val="535353"/>
+                </a:solidFill>
+                <a:latin typeface="Courier" charset="0"/>
+              </a:rPr>
+              <a:t>}</a:t>
+            </a:r>
+            <a:endParaRPr lang="de-DE" sz="1400" dirty="0" smtClean="0">
+              <a:solidFill>
+                <a:srgbClr val="000000"/>
+              </a:solidFill>
+              <a:latin typeface="Courier" charset="0"/>
+            </a:endParaRPr>
+          </a:p>
+          <a:p>
+            <a:r>
+              <a:rPr lang="de-DE" sz="1400" dirty="0" smtClean="0">
+                <a:solidFill>
+                  <a:srgbClr val="000000"/>
+                </a:solidFill>
+                <a:latin typeface="Courier" charset="0"/>
+              </a:rPr>
+              <a:t>  </a:t>
+            </a:r>
+            <a:r>
+              <a:rPr lang="de-DE" sz="1400" b="1" dirty="0" err="1" smtClean="0">
+                <a:solidFill>
+                  <a:srgbClr val="0F7001"/>
+                </a:solidFill>
+                <a:latin typeface="Courier-Bold" charset="0"/>
+              </a:rPr>
+              <a:t>public</a:t>
+            </a:r>
+            <a:r>
+              <a:rPr lang="de-DE" sz="1400" dirty="0" smtClean="0">
+                <a:solidFill>
+                  <a:srgbClr val="000000"/>
+                </a:solidFill>
+                <a:latin typeface="Courier" charset="0"/>
+              </a:rPr>
+              <a:t> Y </a:t>
+            </a:r>
+            <a:r>
+              <a:rPr lang="de-DE" sz="1400" dirty="0" smtClean="0">
+                <a:solidFill>
+                  <a:srgbClr val="0000FF"/>
+                </a:solidFill>
+                <a:latin typeface="Courier" charset="0"/>
+              </a:rPr>
+              <a:t>getVar2</a:t>
+            </a:r>
+            <a:r>
+              <a:rPr lang="de-DE" sz="1400" dirty="0" smtClean="0">
+                <a:solidFill>
+                  <a:srgbClr val="535353"/>
+                </a:solidFill>
+                <a:latin typeface="Courier" charset="0"/>
+              </a:rPr>
+              <a:t>()</a:t>
+            </a:r>
+            <a:r>
+              <a:rPr lang="de-DE" sz="1400" dirty="0" smtClean="0">
+                <a:solidFill>
+                  <a:srgbClr val="000000"/>
+                </a:solidFill>
+                <a:latin typeface="Courier" charset="0"/>
+              </a:rPr>
+              <a:t> </a:t>
+            </a:r>
+            <a:r>
+              <a:rPr lang="de-DE" sz="1400" dirty="0" smtClean="0">
+                <a:solidFill>
+                  <a:srgbClr val="535353"/>
+                </a:solidFill>
+                <a:latin typeface="Courier" charset="0"/>
+              </a:rPr>
+              <a:t>{</a:t>
+            </a:r>
+            <a:endParaRPr lang="de-DE" sz="1400" dirty="0" smtClean="0">
+              <a:solidFill>
+                <a:srgbClr val="000000"/>
+              </a:solidFill>
+              <a:latin typeface="Courier" charset="0"/>
+            </a:endParaRPr>
+          </a:p>
+          <a:p>
+            <a:r>
+              <a:rPr lang="de-DE" sz="1400" dirty="0" smtClean="0">
+                <a:solidFill>
+                  <a:srgbClr val="000000"/>
+                </a:solidFill>
+                <a:latin typeface="Courier" charset="0"/>
+              </a:rPr>
+              <a:t>    </a:t>
+            </a:r>
+            <a:r>
+              <a:rPr lang="de-DE" sz="1400" b="1" dirty="0" err="1" smtClean="0">
+                <a:solidFill>
+                  <a:srgbClr val="0F7001"/>
+                </a:solidFill>
+                <a:latin typeface="Courier-Bold" charset="0"/>
+              </a:rPr>
+              <a:t>return</a:t>
+            </a:r>
+            <a:r>
+              <a:rPr lang="de-DE" sz="1400" dirty="0" smtClean="0">
+                <a:solidFill>
+                  <a:srgbClr val="000000"/>
+                </a:solidFill>
+                <a:latin typeface="Courier" charset="0"/>
+              </a:rPr>
+              <a:t> var2</a:t>
+            </a:r>
+            <a:r>
+              <a:rPr lang="de-DE" sz="1400" dirty="0" smtClean="0">
+                <a:solidFill>
+                  <a:srgbClr val="535353"/>
+                </a:solidFill>
+                <a:latin typeface="Courier" charset="0"/>
+              </a:rPr>
+              <a:t>;</a:t>
+            </a:r>
+            <a:endParaRPr lang="de-DE" sz="1400" dirty="0" smtClean="0">
+              <a:solidFill>
+                <a:srgbClr val="000000"/>
+              </a:solidFill>
+              <a:latin typeface="Courier" charset="0"/>
+            </a:endParaRPr>
+          </a:p>
+          <a:p>
+            <a:r>
+              <a:rPr lang="de-DE" sz="1400" dirty="0" smtClean="0">
+                <a:solidFill>
+                  <a:srgbClr val="000000"/>
+                </a:solidFill>
+                <a:latin typeface="Courier" charset="0"/>
+              </a:rPr>
+              <a:t>  </a:t>
+            </a:r>
+            <a:r>
+              <a:rPr lang="de-DE" sz="1400" dirty="0" smtClean="0">
+                <a:solidFill>
+                  <a:srgbClr val="535353"/>
+                </a:solidFill>
+                <a:latin typeface="Courier" charset="0"/>
+              </a:rPr>
+              <a:t>}</a:t>
+            </a:r>
+            <a:endParaRPr lang="de-DE" sz="1400" dirty="0" smtClean="0">
+              <a:solidFill>
+                <a:srgbClr val="000000"/>
+              </a:solidFill>
+              <a:latin typeface="Courier" charset="0"/>
+            </a:endParaRPr>
+          </a:p>
+          <a:p>
+            <a:endParaRPr lang="de-DE" sz="1400" dirty="0" smtClean="0">
+              <a:solidFill>
+                <a:srgbClr val="000000"/>
+              </a:solidFill>
+              <a:latin typeface="Courier" charset="0"/>
+            </a:endParaRPr>
+          </a:p>
+          <a:p>
+            <a:r>
+              <a:rPr lang="de-DE" sz="1400" dirty="0" smtClean="0">
+                <a:solidFill>
+                  <a:srgbClr val="000000"/>
+                </a:solidFill>
+                <a:latin typeface="Courier" charset="0"/>
+              </a:rPr>
+              <a:t>  </a:t>
+            </a:r>
+            <a:r>
+              <a:rPr lang="de-DE" sz="1400" b="1" dirty="0" err="1" smtClean="0">
+                <a:solidFill>
+                  <a:srgbClr val="0F7001"/>
+                </a:solidFill>
+                <a:latin typeface="Courier-Bold" charset="0"/>
+              </a:rPr>
+              <a:t>public</a:t>
+            </a:r>
+            <a:r>
+              <a:rPr lang="de-DE" sz="1400" dirty="0" smtClean="0">
+                <a:solidFill>
+                  <a:srgbClr val="000000"/>
+                </a:solidFill>
+                <a:latin typeface="Courier" charset="0"/>
+              </a:rPr>
+              <a:t> String </a:t>
+            </a:r>
+            <a:r>
+              <a:rPr lang="de-DE" sz="1400" dirty="0" err="1" smtClean="0">
+                <a:solidFill>
+                  <a:srgbClr val="0000FF"/>
+                </a:solidFill>
+                <a:latin typeface="Courier" charset="0"/>
+              </a:rPr>
+              <a:t>toString</a:t>
+            </a:r>
+            <a:r>
+              <a:rPr lang="de-DE" sz="1400" dirty="0" smtClean="0">
+                <a:solidFill>
+                  <a:srgbClr val="535353"/>
+                </a:solidFill>
+                <a:latin typeface="Courier" charset="0"/>
+              </a:rPr>
+              <a:t>()</a:t>
+            </a:r>
+            <a:r>
+              <a:rPr lang="de-DE" sz="1400" dirty="0" smtClean="0">
+                <a:solidFill>
+                  <a:srgbClr val="000000"/>
+                </a:solidFill>
+                <a:latin typeface="Courier" charset="0"/>
+              </a:rPr>
+              <a:t> </a:t>
+            </a:r>
+            <a:r>
+              <a:rPr lang="de-DE" sz="1400" dirty="0" smtClean="0">
+                <a:solidFill>
+                  <a:srgbClr val="535353"/>
+                </a:solidFill>
+                <a:latin typeface="Courier" charset="0"/>
+              </a:rPr>
+              <a:t>{</a:t>
+            </a:r>
+            <a:r>
+              <a:rPr lang="de-DE" sz="1400" dirty="0" smtClean="0">
+                <a:solidFill>
+                  <a:srgbClr val="000000"/>
+                </a:solidFill>
+                <a:latin typeface="Courier" charset="0"/>
+              </a:rPr>
+              <a:t> </a:t>
+            </a:r>
+          </a:p>
+          <a:p>
+            <a:r>
+              <a:rPr lang="en-US" sz="1400" dirty="0" smtClean="0">
+                <a:solidFill>
+                  <a:srgbClr val="000000"/>
+                </a:solidFill>
+                <a:latin typeface="Courier" charset="0"/>
+              </a:rPr>
+              <a:t>    </a:t>
+            </a:r>
+            <a:r>
+              <a:rPr lang="en-US" sz="1400" b="1" dirty="0" smtClean="0">
+                <a:solidFill>
+                  <a:srgbClr val="0F7001"/>
+                </a:solidFill>
+                <a:latin typeface="Courier-Bold" charset="0"/>
+              </a:rPr>
+              <a:t>return</a:t>
+            </a:r>
+            <a:r>
+              <a:rPr lang="en-US" sz="1400" dirty="0" smtClean="0">
+                <a:solidFill>
+                  <a:srgbClr val="000000"/>
+                </a:solidFill>
+                <a:latin typeface="Courier" charset="0"/>
+              </a:rPr>
+              <a:t> </a:t>
+            </a:r>
+            <a:r>
+              <a:rPr lang="en-US" sz="1400" dirty="0" smtClean="0">
+                <a:solidFill>
+                  <a:srgbClr val="A90E1A"/>
+                </a:solidFill>
+                <a:latin typeface="Courier" charset="0"/>
+              </a:rPr>
+              <a:t>"("</a:t>
+            </a:r>
+            <a:r>
+              <a:rPr lang="en-US" sz="1400" dirty="0" smtClean="0">
+                <a:solidFill>
+                  <a:srgbClr val="000000"/>
+                </a:solidFill>
+                <a:latin typeface="Courier" charset="0"/>
+              </a:rPr>
+              <a:t> </a:t>
+            </a:r>
+            <a:r>
+              <a:rPr lang="en-US" sz="1400" dirty="0" smtClean="0">
+                <a:solidFill>
+                  <a:srgbClr val="535353"/>
+                </a:solidFill>
+                <a:latin typeface="Courier" charset="0"/>
+              </a:rPr>
+              <a:t>+</a:t>
+            </a:r>
+            <a:r>
+              <a:rPr lang="en-US" sz="1400" dirty="0" smtClean="0">
+                <a:solidFill>
+                  <a:srgbClr val="000000"/>
+                </a:solidFill>
+                <a:latin typeface="Courier" charset="0"/>
+              </a:rPr>
+              <a:t> var1 </a:t>
+            </a:r>
+            <a:r>
+              <a:rPr lang="en-US" sz="1400" dirty="0" smtClean="0">
+                <a:solidFill>
+                  <a:srgbClr val="535353"/>
+                </a:solidFill>
+                <a:latin typeface="Courier" charset="0"/>
+              </a:rPr>
+              <a:t>+</a:t>
+            </a:r>
+            <a:r>
+              <a:rPr lang="en-US" sz="1400" dirty="0" smtClean="0">
+                <a:solidFill>
+                  <a:srgbClr val="000000"/>
+                </a:solidFill>
+                <a:latin typeface="Courier" charset="0"/>
+              </a:rPr>
+              <a:t> </a:t>
+            </a:r>
+            <a:r>
+              <a:rPr lang="en-US" sz="1400" dirty="0" smtClean="0">
+                <a:solidFill>
+                  <a:srgbClr val="A90E1A"/>
+                </a:solidFill>
+                <a:latin typeface="Courier" charset="0"/>
+              </a:rPr>
+              <a:t>", "</a:t>
+            </a:r>
+            <a:r>
+              <a:rPr lang="en-US" sz="1400" dirty="0" smtClean="0">
+                <a:solidFill>
+                  <a:srgbClr val="000000"/>
+                </a:solidFill>
+                <a:latin typeface="Courier" charset="0"/>
+              </a:rPr>
+              <a:t> </a:t>
+            </a:r>
+            <a:r>
+              <a:rPr lang="en-US" sz="1400" dirty="0" smtClean="0">
+                <a:solidFill>
+                  <a:srgbClr val="535353"/>
+                </a:solidFill>
+                <a:latin typeface="Courier" charset="0"/>
+              </a:rPr>
+              <a:t>+</a:t>
+            </a:r>
+            <a:r>
+              <a:rPr lang="en-US" sz="1400" dirty="0" smtClean="0">
+                <a:solidFill>
+                  <a:srgbClr val="000000"/>
+                </a:solidFill>
+                <a:latin typeface="Courier" charset="0"/>
+              </a:rPr>
+              <a:t> var2 </a:t>
+            </a:r>
+            <a:r>
+              <a:rPr lang="en-US" sz="1400" dirty="0" smtClean="0">
+                <a:solidFill>
+                  <a:srgbClr val="535353"/>
+                </a:solidFill>
+                <a:latin typeface="Courier" charset="0"/>
+              </a:rPr>
+              <a:t>+</a:t>
+            </a:r>
+            <a:r>
+              <a:rPr lang="en-US" sz="1400" dirty="0" smtClean="0">
+                <a:solidFill>
+                  <a:srgbClr val="000000"/>
+                </a:solidFill>
+                <a:latin typeface="Courier" charset="0"/>
+              </a:rPr>
+              <a:t> </a:t>
+            </a:r>
+            <a:r>
+              <a:rPr lang="en-US" sz="1400" dirty="0" smtClean="0">
+                <a:solidFill>
+                  <a:srgbClr val="A90E1A"/>
+                </a:solidFill>
+                <a:latin typeface="Courier" charset="0"/>
+              </a:rPr>
+              <a:t>")"</a:t>
+            </a:r>
+            <a:r>
+              <a:rPr lang="en-US" sz="1400" dirty="0" smtClean="0">
+                <a:solidFill>
+                  <a:srgbClr val="535353"/>
+                </a:solidFill>
+                <a:latin typeface="Courier" charset="0"/>
+              </a:rPr>
+              <a:t>;</a:t>
+            </a:r>
+            <a:r>
+              <a:rPr lang="en-US" sz="1400" dirty="0" smtClean="0">
+                <a:solidFill>
+                  <a:srgbClr val="000000"/>
+                </a:solidFill>
+                <a:latin typeface="Courier" charset="0"/>
+              </a:rPr>
+              <a:t>  </a:t>
+            </a:r>
+          </a:p>
+          <a:p>
+            <a:r>
+              <a:rPr lang="de-DE" sz="1400" dirty="0" smtClean="0">
+                <a:solidFill>
+                  <a:srgbClr val="000000"/>
+                </a:solidFill>
+                <a:latin typeface="Courier" charset="0"/>
+              </a:rPr>
+              <a:t>  </a:t>
+            </a:r>
+            <a:r>
+              <a:rPr lang="de-DE" sz="1400" dirty="0" smtClean="0">
+                <a:solidFill>
+                  <a:srgbClr val="535353"/>
+                </a:solidFill>
+                <a:latin typeface="Courier" charset="0"/>
+              </a:rPr>
+              <a:t>}</a:t>
+            </a:r>
+            <a:endParaRPr lang="de-DE" sz="1400" dirty="0" smtClean="0">
+              <a:solidFill>
+                <a:srgbClr val="000000"/>
+              </a:solidFill>
+              <a:latin typeface="Courier" charset="0"/>
+            </a:endParaRPr>
+          </a:p>
+          <a:p>
+            <a:r>
+              <a:rPr lang="de-DE" sz="1400" dirty="0" smtClean="0">
+                <a:solidFill>
+                  <a:srgbClr val="535353"/>
+                </a:solidFill>
+                <a:latin typeface="Courier" charset="0"/>
+              </a:rPr>
+              <a:t>}</a:t>
+            </a:r>
+            <a:endParaRPr lang="de-DE" sz="1400" dirty="0">
+              <a:solidFill>
+                <a:srgbClr val="000000"/>
+              </a:solidFill>
+              <a:latin typeface="Courier" charset="0"/>
+            </a:endParaRPr>
+          </a:p>
+        </p:txBody>
+      </p:sp>
+      <p:sp>
+        <p:nvSpPr>
+          <p:cNvPr id="7" name="Rectangle 6"/>
+          <p:cNvSpPr/>
+          <p:nvPr/>
+        </p:nvSpPr>
+        <p:spPr>
+          <a:xfrm>
+            <a:off x="3563888" y="3194927"/>
+            <a:ext cx="5580111" cy="1815882"/>
+          </a:xfrm>
+          <a:prstGeom prst="rect">
+            <a:avLst/>
+          </a:prstGeom>
+        </p:spPr>
+        <p:txBody>
+          <a:bodyPr wrap="square">
+            <a:spAutoFit/>
+          </a:bodyPr>
+          <a:lstStyle/>
+          <a:p>
+            <a:r>
+              <a:rPr lang="en-US" sz="1400" dirty="0">
+                <a:solidFill>
+                  <a:srgbClr val="000000"/>
+                </a:solidFill>
+                <a:latin typeface="Courier" charset="0"/>
+              </a:rPr>
+              <a:t>Gen</a:t>
+            </a:r>
+            <a:r>
+              <a:rPr lang="en-US" sz="1400" dirty="0">
+                <a:solidFill>
+                  <a:srgbClr val="535353"/>
+                </a:solidFill>
+                <a:latin typeface="Courier" charset="0"/>
+              </a:rPr>
+              <a:t>&lt;</a:t>
+            </a:r>
+            <a:r>
+              <a:rPr lang="en-US" sz="1400" dirty="0">
+                <a:solidFill>
+                  <a:srgbClr val="000000"/>
+                </a:solidFill>
+                <a:latin typeface="Courier" charset="0"/>
+              </a:rPr>
+              <a:t>String</a:t>
+            </a:r>
+            <a:r>
+              <a:rPr lang="en-US" sz="1400" dirty="0">
+                <a:solidFill>
+                  <a:srgbClr val="535353"/>
+                </a:solidFill>
+                <a:latin typeface="Courier" charset="0"/>
+              </a:rPr>
+              <a:t>,</a:t>
+            </a:r>
+            <a:r>
+              <a:rPr lang="en-US" sz="1400" dirty="0">
+                <a:solidFill>
+                  <a:srgbClr val="000000"/>
+                </a:solidFill>
+                <a:latin typeface="Courier" charset="0"/>
+              </a:rPr>
+              <a:t> String</a:t>
+            </a:r>
+            <a:r>
+              <a:rPr lang="en-US" sz="1400" dirty="0">
+                <a:solidFill>
+                  <a:srgbClr val="535353"/>
+                </a:solidFill>
+                <a:latin typeface="Courier" charset="0"/>
+              </a:rPr>
+              <a:t>&gt;</a:t>
+            </a:r>
+            <a:r>
+              <a:rPr lang="en-US" sz="1400" dirty="0">
+                <a:solidFill>
+                  <a:srgbClr val="000000"/>
+                </a:solidFill>
+                <a:latin typeface="Courier" charset="0"/>
+              </a:rPr>
+              <a:t> esempio1 </a:t>
+            </a:r>
+            <a:r>
+              <a:rPr lang="en-US" sz="1400" dirty="0">
+                <a:solidFill>
+                  <a:srgbClr val="535353"/>
+                </a:solidFill>
+                <a:latin typeface="Courier" charset="0"/>
+              </a:rPr>
+              <a:t>=</a:t>
+            </a:r>
+            <a:r>
+              <a:rPr lang="en-US" sz="1400" dirty="0">
+                <a:solidFill>
+                  <a:srgbClr val="000000"/>
+                </a:solidFill>
+                <a:latin typeface="Courier" charset="0"/>
+              </a:rPr>
+              <a:t> </a:t>
+            </a:r>
+            <a:endParaRPr lang="en-US" sz="1400" dirty="0" smtClean="0">
+              <a:solidFill>
+                <a:srgbClr val="000000"/>
+              </a:solidFill>
+              <a:latin typeface="Courier" charset="0"/>
+            </a:endParaRPr>
+          </a:p>
+          <a:p>
+            <a:r>
+              <a:rPr lang="en-US" sz="1400" b="1" dirty="0" smtClean="0">
+                <a:solidFill>
+                  <a:srgbClr val="0F7001"/>
+                </a:solidFill>
+                <a:latin typeface="Courier-Bold" charset="0"/>
+              </a:rPr>
+              <a:t>new</a:t>
+            </a:r>
+            <a:r>
+              <a:rPr lang="en-US" sz="1400" dirty="0" smtClean="0">
+                <a:solidFill>
+                  <a:srgbClr val="000000"/>
+                </a:solidFill>
+                <a:latin typeface="Courier" charset="0"/>
+              </a:rPr>
+              <a:t> </a:t>
+            </a:r>
+            <a:r>
+              <a:rPr lang="en-US" sz="1400" dirty="0">
+                <a:solidFill>
+                  <a:srgbClr val="000000"/>
+                </a:solidFill>
+                <a:latin typeface="Courier" charset="0"/>
+              </a:rPr>
+              <a:t>Gen</a:t>
+            </a:r>
+            <a:r>
+              <a:rPr lang="en-US" sz="1400" dirty="0">
+                <a:solidFill>
+                  <a:srgbClr val="535353"/>
+                </a:solidFill>
+                <a:latin typeface="Courier" charset="0"/>
+              </a:rPr>
+              <a:t>&lt;</a:t>
+            </a:r>
+            <a:r>
+              <a:rPr lang="en-US" sz="1400" dirty="0">
+                <a:solidFill>
+                  <a:srgbClr val="000000"/>
+                </a:solidFill>
+                <a:latin typeface="Courier" charset="0"/>
+              </a:rPr>
+              <a:t>String</a:t>
+            </a:r>
+            <a:r>
+              <a:rPr lang="en-US" sz="1400" dirty="0">
+                <a:solidFill>
+                  <a:srgbClr val="535353"/>
+                </a:solidFill>
+                <a:latin typeface="Courier" charset="0"/>
+              </a:rPr>
+              <a:t>,</a:t>
+            </a:r>
+            <a:r>
+              <a:rPr lang="en-US" sz="1400" dirty="0">
+                <a:solidFill>
+                  <a:srgbClr val="000000"/>
+                </a:solidFill>
+                <a:latin typeface="Courier" charset="0"/>
+              </a:rPr>
+              <a:t> String</a:t>
+            </a:r>
+            <a:r>
+              <a:rPr lang="en-US" sz="1400" dirty="0">
+                <a:solidFill>
+                  <a:srgbClr val="535353"/>
+                </a:solidFill>
+                <a:latin typeface="Courier" charset="0"/>
+              </a:rPr>
+              <a:t>&gt;(</a:t>
+            </a:r>
+            <a:r>
+              <a:rPr lang="en-US" sz="1400" dirty="0">
+                <a:solidFill>
+                  <a:srgbClr val="A90E1A"/>
+                </a:solidFill>
+                <a:latin typeface="Courier" charset="0"/>
+              </a:rPr>
+              <a:t>"</a:t>
+            </a:r>
+            <a:r>
+              <a:rPr lang="en-US" sz="1400" dirty="0" err="1">
+                <a:solidFill>
+                  <a:srgbClr val="A90E1A"/>
+                </a:solidFill>
+                <a:latin typeface="Courier" charset="0"/>
+              </a:rPr>
+              <a:t>esempio</a:t>
+            </a:r>
+            <a:r>
+              <a:rPr lang="en-US" sz="1400" dirty="0">
+                <a:solidFill>
+                  <a:srgbClr val="A90E1A"/>
+                </a:solidFill>
+                <a:latin typeface="Courier" charset="0"/>
+              </a:rPr>
+              <a:t>"</a:t>
+            </a:r>
+            <a:r>
+              <a:rPr lang="en-US" sz="1400" dirty="0">
+                <a:solidFill>
+                  <a:srgbClr val="535353"/>
+                </a:solidFill>
+                <a:latin typeface="Courier" charset="0"/>
+              </a:rPr>
+              <a:t>,</a:t>
+            </a:r>
+            <a:r>
+              <a:rPr lang="en-US" sz="1400" dirty="0">
+                <a:solidFill>
+                  <a:srgbClr val="000000"/>
+                </a:solidFill>
+                <a:latin typeface="Courier" charset="0"/>
+              </a:rPr>
+              <a:t> </a:t>
+            </a:r>
+            <a:r>
+              <a:rPr lang="en-US" sz="1400" dirty="0">
+                <a:solidFill>
+                  <a:srgbClr val="A90E1A"/>
+                </a:solidFill>
+                <a:latin typeface="Courier" charset="0"/>
+              </a:rPr>
+              <a:t>"</a:t>
+            </a:r>
+            <a:r>
+              <a:rPr lang="en-US" sz="1400" dirty="0" err="1">
+                <a:solidFill>
+                  <a:srgbClr val="A90E1A"/>
+                </a:solidFill>
+                <a:latin typeface="Courier" charset="0"/>
+              </a:rPr>
+              <a:t>uno</a:t>
+            </a:r>
+            <a:r>
+              <a:rPr lang="en-US" sz="1400" dirty="0">
+                <a:solidFill>
+                  <a:srgbClr val="A90E1A"/>
+                </a:solidFill>
+                <a:latin typeface="Courier" charset="0"/>
+              </a:rPr>
+              <a:t>"</a:t>
+            </a:r>
+            <a:r>
+              <a:rPr lang="en-US" sz="1400" dirty="0">
+                <a:solidFill>
+                  <a:srgbClr val="535353"/>
+                </a:solidFill>
+                <a:latin typeface="Courier" charset="0"/>
+              </a:rPr>
+              <a:t>);</a:t>
+            </a:r>
+            <a:endParaRPr lang="en-US" sz="1400" dirty="0">
+              <a:solidFill>
+                <a:srgbClr val="000000"/>
+              </a:solidFill>
+              <a:latin typeface="Courier" charset="0"/>
+            </a:endParaRPr>
+          </a:p>
+          <a:p>
+            <a:r>
+              <a:rPr lang="en-US" sz="1400" dirty="0">
+                <a:solidFill>
+                  <a:srgbClr val="000000"/>
+                </a:solidFill>
+                <a:latin typeface="Courier" charset="0"/>
+              </a:rPr>
+              <a:t>Gen</a:t>
+            </a:r>
+            <a:r>
+              <a:rPr lang="en-US" sz="1400" dirty="0">
+                <a:solidFill>
+                  <a:srgbClr val="535353"/>
+                </a:solidFill>
+                <a:latin typeface="Courier" charset="0"/>
+              </a:rPr>
+              <a:t>&lt;</a:t>
+            </a:r>
+            <a:r>
+              <a:rPr lang="en-US" sz="1400" dirty="0">
+                <a:solidFill>
+                  <a:srgbClr val="000000"/>
+                </a:solidFill>
+                <a:latin typeface="Courier" charset="0"/>
+              </a:rPr>
+              <a:t>String</a:t>
+            </a:r>
+            <a:r>
+              <a:rPr lang="en-US" sz="1400" dirty="0">
+                <a:solidFill>
+                  <a:srgbClr val="535353"/>
+                </a:solidFill>
+                <a:latin typeface="Courier" charset="0"/>
+              </a:rPr>
+              <a:t>,</a:t>
+            </a:r>
+            <a:r>
+              <a:rPr lang="en-US" sz="1400" dirty="0">
+                <a:solidFill>
+                  <a:srgbClr val="000000"/>
+                </a:solidFill>
+                <a:latin typeface="Courier" charset="0"/>
+              </a:rPr>
+              <a:t> Integer</a:t>
+            </a:r>
+            <a:r>
+              <a:rPr lang="en-US" sz="1400" dirty="0">
+                <a:solidFill>
+                  <a:srgbClr val="535353"/>
+                </a:solidFill>
+                <a:latin typeface="Courier" charset="0"/>
+              </a:rPr>
+              <a:t>&gt;</a:t>
+            </a:r>
+            <a:r>
+              <a:rPr lang="en-US" sz="1400" dirty="0">
+                <a:solidFill>
+                  <a:srgbClr val="000000"/>
+                </a:solidFill>
+                <a:latin typeface="Courier" charset="0"/>
+              </a:rPr>
+              <a:t> esempio2 </a:t>
+            </a:r>
+            <a:r>
+              <a:rPr lang="en-US" sz="1400" dirty="0">
+                <a:solidFill>
+                  <a:srgbClr val="535353"/>
+                </a:solidFill>
+                <a:latin typeface="Courier" charset="0"/>
+              </a:rPr>
+              <a:t>=</a:t>
+            </a:r>
+            <a:r>
+              <a:rPr lang="en-US" sz="1400" dirty="0">
+                <a:solidFill>
+                  <a:srgbClr val="000000"/>
+                </a:solidFill>
+                <a:latin typeface="Courier" charset="0"/>
+              </a:rPr>
+              <a:t> </a:t>
+            </a:r>
+            <a:endParaRPr lang="en-US" sz="1400" dirty="0" smtClean="0">
+              <a:solidFill>
+                <a:srgbClr val="000000"/>
+              </a:solidFill>
+              <a:latin typeface="Courier" charset="0"/>
+            </a:endParaRPr>
+          </a:p>
+          <a:p>
+            <a:r>
+              <a:rPr lang="en-US" sz="1400" b="1" dirty="0" smtClean="0">
+                <a:solidFill>
+                  <a:srgbClr val="0F7001"/>
+                </a:solidFill>
+                <a:latin typeface="Courier-Bold" charset="0"/>
+              </a:rPr>
+              <a:t>new</a:t>
+            </a:r>
+            <a:r>
+              <a:rPr lang="en-US" sz="1400" dirty="0" smtClean="0">
+                <a:solidFill>
+                  <a:srgbClr val="000000"/>
+                </a:solidFill>
+                <a:latin typeface="Courier" charset="0"/>
+              </a:rPr>
+              <a:t> </a:t>
+            </a:r>
+            <a:r>
+              <a:rPr lang="en-US" sz="1400" dirty="0">
+                <a:solidFill>
+                  <a:srgbClr val="000000"/>
+                </a:solidFill>
+                <a:latin typeface="Courier" charset="0"/>
+              </a:rPr>
+              <a:t>Gen</a:t>
+            </a:r>
+            <a:r>
+              <a:rPr lang="en-US" sz="1400" dirty="0">
+                <a:solidFill>
+                  <a:srgbClr val="535353"/>
+                </a:solidFill>
+                <a:latin typeface="Courier" charset="0"/>
+              </a:rPr>
+              <a:t>&lt;</a:t>
+            </a:r>
+            <a:r>
+              <a:rPr lang="en-US" sz="1400" dirty="0">
+                <a:solidFill>
+                  <a:srgbClr val="000000"/>
+                </a:solidFill>
+                <a:latin typeface="Courier" charset="0"/>
+              </a:rPr>
+              <a:t>String</a:t>
+            </a:r>
+            <a:r>
+              <a:rPr lang="en-US" sz="1400" dirty="0">
+                <a:solidFill>
+                  <a:srgbClr val="535353"/>
+                </a:solidFill>
+                <a:latin typeface="Courier" charset="0"/>
+              </a:rPr>
+              <a:t>,</a:t>
+            </a:r>
+            <a:r>
+              <a:rPr lang="en-US" sz="1400" dirty="0">
+                <a:solidFill>
+                  <a:srgbClr val="000000"/>
+                </a:solidFill>
+                <a:latin typeface="Courier" charset="0"/>
+              </a:rPr>
+              <a:t> Integer</a:t>
+            </a:r>
+            <a:r>
+              <a:rPr lang="en-US" sz="1400" dirty="0">
+                <a:solidFill>
+                  <a:srgbClr val="535353"/>
+                </a:solidFill>
+                <a:latin typeface="Courier" charset="0"/>
+              </a:rPr>
+              <a:t>&gt;(</a:t>
+            </a:r>
+            <a:r>
+              <a:rPr lang="en-US" sz="1400" dirty="0">
+                <a:solidFill>
+                  <a:srgbClr val="A90E1A"/>
+                </a:solidFill>
+                <a:latin typeface="Courier" charset="0"/>
+              </a:rPr>
+              <a:t>"</a:t>
+            </a:r>
+            <a:r>
+              <a:rPr lang="en-US" sz="1400" dirty="0" err="1">
+                <a:solidFill>
+                  <a:srgbClr val="A90E1A"/>
+                </a:solidFill>
+                <a:latin typeface="Courier" charset="0"/>
+              </a:rPr>
+              <a:t>esempio</a:t>
+            </a:r>
+            <a:r>
+              <a:rPr lang="en-US" sz="1400" dirty="0">
+                <a:solidFill>
+                  <a:srgbClr val="A90E1A"/>
+                </a:solidFill>
+                <a:latin typeface="Courier" charset="0"/>
+              </a:rPr>
+              <a:t>"</a:t>
+            </a:r>
+            <a:r>
+              <a:rPr lang="en-US" sz="1400" dirty="0">
+                <a:solidFill>
+                  <a:srgbClr val="535353"/>
+                </a:solidFill>
+                <a:latin typeface="Courier" charset="0"/>
+              </a:rPr>
+              <a:t>,</a:t>
+            </a:r>
+            <a:r>
+              <a:rPr lang="en-US" sz="1400" dirty="0">
+                <a:solidFill>
+                  <a:srgbClr val="000000"/>
+                </a:solidFill>
+                <a:latin typeface="Courier" charset="0"/>
+              </a:rPr>
+              <a:t> </a:t>
+            </a:r>
+            <a:r>
+              <a:rPr lang="en-US" sz="1400" dirty="0">
+                <a:solidFill>
+                  <a:srgbClr val="535353"/>
+                </a:solidFill>
+                <a:latin typeface="Courier" charset="0"/>
+              </a:rPr>
+              <a:t>2);</a:t>
+            </a:r>
+            <a:endParaRPr lang="en-US" sz="1400" dirty="0">
+              <a:solidFill>
+                <a:srgbClr val="000000"/>
+              </a:solidFill>
+              <a:latin typeface="Courier" charset="0"/>
+            </a:endParaRPr>
+          </a:p>
+          <a:p>
+            <a:endParaRPr lang="en-US" sz="1400" dirty="0">
+              <a:solidFill>
+                <a:srgbClr val="000000"/>
+              </a:solidFill>
+              <a:latin typeface="Courier" charset="0"/>
+            </a:endParaRPr>
+          </a:p>
+          <a:p>
+            <a:r>
+              <a:rPr lang="en-US" sz="1400" dirty="0" err="1">
+                <a:solidFill>
+                  <a:srgbClr val="000000"/>
+                </a:solidFill>
+                <a:latin typeface="Courier" charset="0"/>
+              </a:rPr>
+              <a:t>System</a:t>
+            </a:r>
+            <a:r>
+              <a:rPr lang="en-US" sz="1400" dirty="0" err="1">
+                <a:solidFill>
+                  <a:srgbClr val="535353"/>
+                </a:solidFill>
+                <a:latin typeface="Courier" charset="0"/>
+              </a:rPr>
+              <a:t>.</a:t>
+            </a:r>
+            <a:r>
+              <a:rPr lang="en-US" sz="1400" dirty="0" err="1">
+                <a:solidFill>
+                  <a:srgbClr val="6A801F"/>
+                </a:solidFill>
+                <a:latin typeface="Courier" charset="0"/>
+              </a:rPr>
+              <a:t>out</a:t>
+            </a:r>
+            <a:r>
+              <a:rPr lang="en-US" sz="1400" dirty="0" err="1">
+                <a:solidFill>
+                  <a:srgbClr val="535353"/>
+                </a:solidFill>
+                <a:latin typeface="Courier" charset="0"/>
+              </a:rPr>
+              <a:t>.</a:t>
+            </a:r>
+            <a:r>
+              <a:rPr lang="en-US" sz="1400" dirty="0" err="1">
+                <a:solidFill>
+                  <a:srgbClr val="6A801F"/>
+                </a:solidFill>
+                <a:latin typeface="Courier" charset="0"/>
+              </a:rPr>
+              <a:t>println</a:t>
+            </a:r>
+            <a:r>
+              <a:rPr lang="en-US" sz="1400" dirty="0">
+                <a:solidFill>
+                  <a:srgbClr val="535353"/>
+                </a:solidFill>
+                <a:latin typeface="Courier" charset="0"/>
+              </a:rPr>
+              <a:t>(</a:t>
+            </a:r>
+            <a:r>
+              <a:rPr lang="en-US" sz="1400" dirty="0">
+                <a:solidFill>
+                  <a:srgbClr val="A90E1A"/>
+                </a:solidFill>
+                <a:latin typeface="Courier" charset="0"/>
+              </a:rPr>
+              <a:t>"primo </a:t>
+            </a:r>
+            <a:r>
+              <a:rPr lang="en-US" sz="1400" dirty="0" err="1">
+                <a:solidFill>
+                  <a:srgbClr val="A90E1A"/>
+                </a:solidFill>
+                <a:latin typeface="Courier" charset="0"/>
+              </a:rPr>
+              <a:t>esempio</a:t>
+            </a:r>
+            <a:r>
+              <a:rPr lang="en-US" sz="1400" dirty="0">
+                <a:solidFill>
+                  <a:srgbClr val="A90E1A"/>
+                </a:solidFill>
+                <a:latin typeface="Courier" charset="0"/>
+              </a:rPr>
+              <a:t>: "</a:t>
+            </a:r>
+            <a:r>
+              <a:rPr lang="en-US" sz="1400" dirty="0">
+                <a:solidFill>
+                  <a:srgbClr val="000000"/>
+                </a:solidFill>
+                <a:latin typeface="Courier" charset="0"/>
+              </a:rPr>
+              <a:t> </a:t>
+            </a:r>
+            <a:r>
+              <a:rPr lang="en-US" sz="1400" dirty="0">
+                <a:solidFill>
+                  <a:srgbClr val="535353"/>
+                </a:solidFill>
+                <a:latin typeface="Courier" charset="0"/>
+              </a:rPr>
+              <a:t>+</a:t>
+            </a:r>
+            <a:r>
+              <a:rPr lang="en-US" sz="1400" dirty="0">
+                <a:solidFill>
+                  <a:srgbClr val="000000"/>
+                </a:solidFill>
+                <a:latin typeface="Courier" charset="0"/>
+              </a:rPr>
+              <a:t> esempio1</a:t>
+            </a:r>
+            <a:r>
+              <a:rPr lang="en-US" sz="1400" dirty="0">
+                <a:solidFill>
+                  <a:srgbClr val="535353"/>
+                </a:solidFill>
+                <a:latin typeface="Courier" charset="0"/>
+              </a:rPr>
+              <a:t>);</a:t>
+            </a:r>
+            <a:endParaRPr lang="en-US" sz="1400" dirty="0">
+              <a:solidFill>
+                <a:srgbClr val="000000"/>
+              </a:solidFill>
+              <a:latin typeface="Courier" charset="0"/>
+            </a:endParaRPr>
+          </a:p>
+          <a:p>
+            <a:r>
+              <a:rPr lang="en-US" sz="1400" dirty="0" err="1">
+                <a:solidFill>
+                  <a:srgbClr val="000000"/>
+                </a:solidFill>
+                <a:latin typeface="Courier" charset="0"/>
+              </a:rPr>
+              <a:t>System</a:t>
+            </a:r>
+            <a:r>
+              <a:rPr lang="en-US" sz="1400" dirty="0" err="1">
+                <a:solidFill>
+                  <a:srgbClr val="535353"/>
+                </a:solidFill>
+                <a:latin typeface="Courier" charset="0"/>
+              </a:rPr>
+              <a:t>.</a:t>
+            </a:r>
+            <a:r>
+              <a:rPr lang="en-US" sz="1400" dirty="0" err="1">
+                <a:solidFill>
+                  <a:srgbClr val="6A801F"/>
+                </a:solidFill>
+                <a:latin typeface="Courier" charset="0"/>
+              </a:rPr>
+              <a:t>out</a:t>
+            </a:r>
+            <a:r>
+              <a:rPr lang="en-US" sz="1400" dirty="0" err="1">
+                <a:solidFill>
+                  <a:srgbClr val="535353"/>
+                </a:solidFill>
+                <a:latin typeface="Courier" charset="0"/>
+              </a:rPr>
+              <a:t>.</a:t>
+            </a:r>
+            <a:r>
+              <a:rPr lang="en-US" sz="1400" dirty="0" err="1">
+                <a:solidFill>
+                  <a:srgbClr val="6A801F"/>
+                </a:solidFill>
+                <a:latin typeface="Courier" charset="0"/>
+              </a:rPr>
+              <a:t>println</a:t>
+            </a:r>
+            <a:r>
+              <a:rPr lang="en-US" sz="1400" dirty="0">
+                <a:solidFill>
+                  <a:srgbClr val="535353"/>
+                </a:solidFill>
+                <a:latin typeface="Courier" charset="0"/>
+              </a:rPr>
+              <a:t>(</a:t>
+            </a:r>
+            <a:r>
+              <a:rPr lang="en-US" sz="1400" dirty="0">
+                <a:solidFill>
+                  <a:srgbClr val="A90E1A"/>
+                </a:solidFill>
+                <a:latin typeface="Courier" charset="0"/>
+              </a:rPr>
+              <a:t>"secondo </a:t>
+            </a:r>
+            <a:r>
+              <a:rPr lang="en-US" sz="1400" dirty="0" err="1">
+                <a:solidFill>
+                  <a:srgbClr val="A90E1A"/>
+                </a:solidFill>
+                <a:latin typeface="Courier" charset="0"/>
+              </a:rPr>
+              <a:t>esempio</a:t>
+            </a:r>
+            <a:r>
+              <a:rPr lang="en-US" sz="1400" dirty="0">
+                <a:solidFill>
+                  <a:srgbClr val="A90E1A"/>
+                </a:solidFill>
+                <a:latin typeface="Courier" charset="0"/>
+              </a:rPr>
+              <a:t>: "</a:t>
+            </a:r>
+            <a:r>
+              <a:rPr lang="en-US" sz="1400" dirty="0">
+                <a:solidFill>
+                  <a:srgbClr val="000000"/>
+                </a:solidFill>
+                <a:latin typeface="Courier" charset="0"/>
+              </a:rPr>
+              <a:t> </a:t>
+            </a:r>
+            <a:r>
+              <a:rPr lang="en-US" sz="1400" dirty="0">
+                <a:solidFill>
+                  <a:srgbClr val="535353"/>
+                </a:solidFill>
+                <a:latin typeface="Courier" charset="0"/>
+              </a:rPr>
+              <a:t>+</a:t>
+            </a:r>
+            <a:r>
+              <a:rPr lang="en-US" sz="1400" dirty="0">
+                <a:solidFill>
+                  <a:srgbClr val="000000"/>
+                </a:solidFill>
+                <a:latin typeface="Courier" charset="0"/>
+              </a:rPr>
+              <a:t> esempio2</a:t>
+            </a:r>
+            <a:r>
+              <a:rPr lang="en-US" sz="1400" dirty="0">
+                <a:solidFill>
+                  <a:srgbClr val="535353"/>
+                </a:solidFill>
+                <a:latin typeface="Courier" charset="0"/>
+              </a:rPr>
+              <a:t>);</a:t>
+            </a:r>
+            <a:endParaRPr lang="en-US" sz="1400" dirty="0">
+              <a:solidFill>
+                <a:srgbClr val="000000"/>
+              </a:solidFill>
+              <a:latin typeface="Courier" charset="0"/>
+            </a:endParaRPr>
+          </a:p>
+        </p:txBody>
+      </p:sp>
     </p:spTree>
     <p:extLst>
       <p:ext uri="{BB962C8B-B14F-4D97-AF65-F5344CB8AC3E}">
-        <p14:creationId xmlns:p14="http://schemas.microsoft.com/office/powerpoint/2010/main" val="2079600710"/>
+        <p14:creationId xmlns:p14="http://schemas.microsoft.com/office/powerpoint/2010/main" val="1494214961"/>
       </p:ext>
     </p:extLst>
   </p:cSld>
@@ -12073,11 +14100,7 @@
           <a:p>
             <a:r>
               <a:rPr lang="it-IT" altLang="it-IT" dirty="0" err="1" smtClean="0"/>
-              <a:t>Generics</a:t>
-            </a:r>
-            <a:r>
-              <a:rPr lang="it-IT" altLang="it-IT" dirty="0" smtClean="0"/>
-              <a:t> in Java</a:t>
+              <a:t>Collections</a:t>
             </a:r>
             <a:endParaRPr lang="it-IT" altLang="it-IT" dirty="0" smtClean="0"/>
           </a:p>
@@ -12198,2052 +14221,34 @@
           </a:p>
         </p:txBody>
       </p:sp>
-      <p:sp>
-        <p:nvSpPr>
-          <p:cNvPr id="2" name="TextBox 1"/>
-          <p:cNvSpPr txBox="1"/>
+      <p:pic>
+        <p:nvPicPr>
+          <p:cNvPr id="3" name="Picture 2"/>
+          <p:cNvPicPr>
+            <a:picLocks noChangeAspect="1"/>
+          </p:cNvPicPr>
           <p:nvPr/>
-        </p:nvSpPr>
+        </p:nvPicPr>
+        <p:blipFill>
+          <a:blip r:embed="rId2"/>
+          <a:stretch>
+            <a:fillRect/>
+          </a:stretch>
+        </p:blipFill>
         <p:spPr>
           <a:xfrm>
-            <a:off x="457200" y="913905"/>
-            <a:ext cx="7806299" cy="1477328"/>
-          </a:xfrm>
-          <a:prstGeom prst="rect">
-            <a:avLst/>
-          </a:prstGeom>
-          <a:noFill/>
-        </p:spPr>
-        <p:txBody>
-          <a:bodyPr wrap="square" rtlCol="0">
-            <a:spAutoFit/>
-          </a:bodyPr>
-          <a:lstStyle/>
-          <a:p>
-            <a:r>
-              <a:rPr lang="en-US" dirty="0" smtClean="0"/>
-              <a:t>E’ un</a:t>
-            </a:r>
-            <a:r>
-              <a:rPr lang="en-US" dirty="0"/>
-              <a:t> </a:t>
-            </a:r>
-            <a:r>
-              <a:rPr lang="en-US" dirty="0" err="1"/>
-              <a:t>semplice</a:t>
-            </a:r>
-            <a:r>
-              <a:rPr lang="en-US" dirty="0"/>
-              <a:t> </a:t>
-            </a:r>
-            <a:r>
-              <a:rPr lang="en-US" dirty="0" smtClean="0"/>
-              <a:t>ma </a:t>
-            </a:r>
-            <a:r>
-              <a:rPr lang="en-US" dirty="0" err="1" smtClean="0"/>
-              <a:t>potente</a:t>
-            </a:r>
-            <a:r>
-              <a:rPr lang="en-US" dirty="0" smtClean="0"/>
-              <a:t> </a:t>
-            </a:r>
-            <a:r>
-              <a:rPr lang="en-US" dirty="0" err="1" smtClean="0"/>
-              <a:t>meccanismo</a:t>
-            </a:r>
-            <a:r>
-              <a:rPr lang="en-US" dirty="0"/>
-              <a:t>, </a:t>
-            </a:r>
-            <a:r>
-              <a:rPr lang="en-US" dirty="0" err="1"/>
-              <a:t>usato</a:t>
-            </a:r>
-            <a:r>
-              <a:rPr lang="en-US" dirty="0"/>
-              <a:t> a tempo di </a:t>
-            </a:r>
-            <a:r>
-              <a:rPr lang="en-US" dirty="0" err="1"/>
-              <a:t>compilazione</a:t>
-            </a:r>
-            <a:r>
-              <a:rPr lang="en-US" dirty="0"/>
-              <a:t>, </a:t>
-            </a:r>
-            <a:r>
-              <a:rPr lang="en-US" dirty="0" err="1"/>
-              <a:t>che</a:t>
-            </a:r>
-            <a:r>
-              <a:rPr lang="en-US" dirty="0"/>
-              <a:t> ci </a:t>
-            </a:r>
-            <a:r>
-              <a:rPr lang="en-US" dirty="0" err="1"/>
-              <a:t>consente</a:t>
-            </a:r>
-            <a:r>
-              <a:rPr lang="en-US" dirty="0"/>
-              <a:t> </a:t>
-            </a:r>
-            <a:r>
-              <a:rPr lang="en-US" dirty="0" smtClean="0"/>
-              <a:t>la </a:t>
-            </a:r>
-            <a:r>
-              <a:rPr lang="en-US" dirty="0" err="1" smtClean="0"/>
-              <a:t>definizione</a:t>
-            </a:r>
-            <a:r>
-              <a:rPr lang="en-US" dirty="0" smtClean="0"/>
-              <a:t> </a:t>
-            </a:r>
-            <a:r>
-              <a:rPr lang="en-US" dirty="0"/>
-              <a:t>di un </a:t>
-            </a:r>
-            <a:r>
-              <a:rPr lang="en-US" dirty="0" err="1"/>
-              <a:t>tipo</a:t>
-            </a:r>
-            <a:r>
-              <a:rPr lang="en-US" dirty="0"/>
-              <a:t> </a:t>
-            </a:r>
-            <a:r>
-              <a:rPr lang="en-US" dirty="0" err="1" smtClean="0"/>
-              <a:t>parametrizzato</a:t>
-            </a:r>
-            <a:r>
-              <a:rPr lang="en-US" dirty="0" smtClean="0"/>
-              <a:t>.</a:t>
-            </a:r>
-          </a:p>
-          <a:p>
-            <a:endParaRPr lang="en-US" dirty="0"/>
-          </a:p>
-          <a:p>
-            <a:r>
-              <a:rPr lang="en-US" dirty="0" smtClean="0"/>
-              <a:t>La </a:t>
-            </a:r>
-            <a:r>
-              <a:rPr lang="en-US" dirty="0" err="1"/>
-              <a:t>sua</a:t>
-            </a:r>
-            <a:r>
-              <a:rPr lang="en-US" dirty="0"/>
-              <a:t> </a:t>
-            </a:r>
-            <a:r>
-              <a:rPr lang="en-US" dirty="0" err="1"/>
-              <a:t>importanza</a:t>
-            </a:r>
-            <a:r>
-              <a:rPr lang="en-US" dirty="0"/>
-              <a:t> </a:t>
-            </a:r>
-            <a:r>
-              <a:rPr lang="en-US" dirty="0" err="1"/>
-              <a:t>risulta</a:t>
-            </a:r>
-            <a:r>
-              <a:rPr lang="en-US" dirty="0"/>
-              <a:t> </a:t>
-            </a:r>
-            <a:r>
-              <a:rPr lang="en-US" dirty="0" err="1"/>
-              <a:t>evidente</a:t>
-            </a:r>
-            <a:r>
-              <a:rPr lang="en-US" dirty="0"/>
-              <a:t> </a:t>
-            </a:r>
-            <a:r>
-              <a:rPr lang="en-US" dirty="0" err="1"/>
-              <a:t>nel</a:t>
-            </a:r>
-            <a:r>
-              <a:rPr lang="en-US" dirty="0"/>
-              <a:t> </a:t>
-            </a:r>
-            <a:r>
-              <a:rPr lang="en-US" dirty="0" err="1"/>
-              <a:t>caso</a:t>
-            </a:r>
-            <a:r>
-              <a:rPr lang="en-US" dirty="0"/>
-              <a:t> di </a:t>
-            </a:r>
-            <a:r>
-              <a:rPr lang="en-US" dirty="0" err="1"/>
-              <a:t>oggetti</a:t>
-            </a:r>
-            <a:r>
-              <a:rPr lang="en-US" dirty="0"/>
-              <a:t> </a:t>
-            </a:r>
-            <a:r>
-              <a:rPr lang="en-US" dirty="0" err="1"/>
-              <a:t>contenitore</a:t>
-            </a:r>
-            <a:r>
-              <a:rPr lang="en-US" dirty="0"/>
-              <a:t>, come le </a:t>
-            </a:r>
-            <a:r>
-              <a:rPr lang="en-US" dirty="0" smtClean="0"/>
-              <a:t>Collection.</a:t>
-            </a:r>
-            <a:endParaRPr lang="en-US" dirty="0"/>
-          </a:p>
-        </p:txBody>
-      </p:sp>
-      <p:sp>
-        <p:nvSpPr>
-          <p:cNvPr id="6" name="Rectangle 5"/>
-          <p:cNvSpPr/>
-          <p:nvPr/>
-        </p:nvSpPr>
-        <p:spPr>
-          <a:xfrm>
-            <a:off x="179512" y="2474586"/>
-            <a:ext cx="6607175" cy="4185761"/>
+            <a:off x="1206352" y="1916832"/>
+            <a:ext cx="6937669" cy="2043286"/>
           </a:xfrm>
           <a:prstGeom prst="rect">
             <a:avLst/>
           </a:prstGeom>
         </p:spPr>
-        <p:txBody>
-          <a:bodyPr wrap="square">
-            <a:spAutoFit/>
-          </a:bodyPr>
-          <a:lstStyle/>
-          <a:p>
-            <a:r>
-              <a:rPr lang="en-US" sz="1400" b="1" smtClean="0">
-                <a:solidFill>
-                  <a:srgbClr val="0F7001"/>
-                </a:solidFill>
-                <a:latin typeface="Courier-Bold" charset="0"/>
-              </a:rPr>
-              <a:t>public</a:t>
-            </a:r>
-            <a:r>
-              <a:rPr lang="en-US" sz="1400" smtClean="0">
-                <a:solidFill>
-                  <a:srgbClr val="000000"/>
-                </a:solidFill>
-                <a:latin typeface="Courier" charset="0"/>
-              </a:rPr>
-              <a:t> </a:t>
-            </a:r>
-            <a:r>
-              <a:rPr lang="en-US" sz="1400" b="1" smtClean="0">
-                <a:solidFill>
-                  <a:srgbClr val="0F7001"/>
-                </a:solidFill>
-                <a:latin typeface="Courier-Bold" charset="0"/>
-              </a:rPr>
-              <a:t>class</a:t>
-            </a:r>
-            <a:r>
-              <a:rPr lang="en-US" sz="1400" smtClean="0">
-                <a:solidFill>
-                  <a:srgbClr val="000000"/>
-                </a:solidFill>
-                <a:latin typeface="Courier" charset="0"/>
-              </a:rPr>
-              <a:t> </a:t>
-            </a:r>
-            <a:r>
-              <a:rPr lang="en-US" sz="1400" b="1" smtClean="0">
-                <a:solidFill>
-                  <a:srgbClr val="0000FF"/>
-                </a:solidFill>
-                <a:latin typeface="Courier-Bold" charset="0"/>
-              </a:rPr>
-              <a:t>Gen</a:t>
-            </a:r>
-            <a:r>
-              <a:rPr lang="en-US" sz="1400" smtClean="0">
-                <a:solidFill>
-                  <a:srgbClr val="535353"/>
-                </a:solidFill>
-                <a:latin typeface="Courier" charset="0"/>
-              </a:rPr>
-              <a:t>&lt;</a:t>
-            </a:r>
-            <a:r>
-              <a:rPr lang="en-US" sz="1400" smtClean="0">
-                <a:solidFill>
-                  <a:srgbClr val="000000"/>
-                </a:solidFill>
-                <a:latin typeface="Courier" charset="0"/>
-              </a:rPr>
-              <a:t>X</a:t>
-            </a:r>
-            <a:r>
-              <a:rPr lang="en-US" sz="1400" smtClean="0">
-                <a:solidFill>
-                  <a:srgbClr val="535353"/>
-                </a:solidFill>
-                <a:latin typeface="Courier" charset="0"/>
-              </a:rPr>
-              <a:t>,</a:t>
-            </a:r>
-            <a:r>
-              <a:rPr lang="en-US" sz="1400" smtClean="0">
-                <a:solidFill>
-                  <a:srgbClr val="000000"/>
-                </a:solidFill>
-                <a:latin typeface="Courier" charset="0"/>
-              </a:rPr>
-              <a:t>Y</a:t>
-            </a:r>
-            <a:r>
-              <a:rPr lang="en-US" sz="1400" smtClean="0">
-                <a:solidFill>
-                  <a:srgbClr val="535353"/>
-                </a:solidFill>
-                <a:latin typeface="Courier" charset="0"/>
-              </a:rPr>
-              <a:t>&gt;</a:t>
-            </a:r>
-            <a:r>
-              <a:rPr lang="en-US" sz="1400" smtClean="0">
-                <a:solidFill>
-                  <a:srgbClr val="000000"/>
-                </a:solidFill>
-                <a:latin typeface="Courier" charset="0"/>
-              </a:rPr>
-              <a:t> </a:t>
-            </a:r>
-            <a:r>
-              <a:rPr lang="en-US" sz="1400" smtClean="0">
-                <a:solidFill>
-                  <a:srgbClr val="535353"/>
-                </a:solidFill>
-                <a:latin typeface="Courier" charset="0"/>
-              </a:rPr>
-              <a:t>{</a:t>
-            </a:r>
-            <a:endParaRPr lang="en-US" sz="1400" smtClean="0">
-              <a:solidFill>
-                <a:srgbClr val="000000"/>
-              </a:solidFill>
-              <a:latin typeface="Courier" charset="0"/>
-            </a:endParaRPr>
-          </a:p>
-          <a:p>
-            <a:r>
-              <a:rPr lang="en-US" sz="1400" dirty="0" smtClean="0">
-                <a:solidFill>
-                  <a:srgbClr val="000000"/>
-                </a:solidFill>
-                <a:latin typeface="Courier" charset="0"/>
-              </a:rPr>
-              <a:t>  </a:t>
-            </a:r>
-            <a:r>
-              <a:rPr lang="en-US" sz="1400" b="1" dirty="0" smtClean="0">
-                <a:solidFill>
-                  <a:srgbClr val="0F7001"/>
-                </a:solidFill>
-                <a:latin typeface="Courier-Bold" charset="0"/>
-              </a:rPr>
-              <a:t>private</a:t>
-            </a:r>
-            <a:r>
-              <a:rPr lang="en-US" sz="1400" dirty="0" smtClean="0">
-                <a:solidFill>
-                  <a:srgbClr val="000000"/>
-                </a:solidFill>
-                <a:latin typeface="Courier" charset="0"/>
-              </a:rPr>
-              <a:t> </a:t>
-            </a:r>
-            <a:r>
-              <a:rPr lang="en-US" sz="1400" b="1" dirty="0" smtClean="0">
-                <a:solidFill>
-                  <a:srgbClr val="0F7001"/>
-                </a:solidFill>
-                <a:latin typeface="Courier-Bold" charset="0"/>
-              </a:rPr>
-              <a:t>final</a:t>
-            </a:r>
-            <a:r>
-              <a:rPr lang="en-US" sz="1400" dirty="0" smtClean="0">
-                <a:solidFill>
-                  <a:srgbClr val="000000"/>
-                </a:solidFill>
-                <a:latin typeface="Courier" charset="0"/>
-              </a:rPr>
-              <a:t> X var1</a:t>
-            </a:r>
-            <a:r>
-              <a:rPr lang="en-US" sz="1400" dirty="0" smtClean="0">
-                <a:solidFill>
-                  <a:srgbClr val="535353"/>
-                </a:solidFill>
-                <a:latin typeface="Courier" charset="0"/>
-              </a:rPr>
-              <a:t>;</a:t>
-            </a:r>
-            <a:endParaRPr lang="en-US" sz="1400" dirty="0" smtClean="0">
-              <a:solidFill>
-                <a:srgbClr val="000000"/>
-              </a:solidFill>
-              <a:latin typeface="Courier" charset="0"/>
-            </a:endParaRPr>
-          </a:p>
-          <a:p>
-            <a:r>
-              <a:rPr lang="en-US" sz="1400" dirty="0" smtClean="0">
-                <a:solidFill>
-                  <a:srgbClr val="000000"/>
-                </a:solidFill>
-                <a:latin typeface="Courier" charset="0"/>
-              </a:rPr>
-              <a:t>  </a:t>
-            </a:r>
-            <a:r>
-              <a:rPr lang="en-US" sz="1400" b="1" dirty="0" smtClean="0">
-                <a:solidFill>
-                  <a:srgbClr val="0F7001"/>
-                </a:solidFill>
-                <a:latin typeface="Courier-Bold" charset="0"/>
-              </a:rPr>
-              <a:t>private</a:t>
-            </a:r>
-            <a:r>
-              <a:rPr lang="en-US" sz="1400" dirty="0" smtClean="0">
-                <a:solidFill>
-                  <a:srgbClr val="000000"/>
-                </a:solidFill>
-                <a:latin typeface="Courier" charset="0"/>
-              </a:rPr>
-              <a:t> </a:t>
-            </a:r>
-            <a:r>
-              <a:rPr lang="en-US" sz="1400" b="1" dirty="0" smtClean="0">
-                <a:solidFill>
-                  <a:srgbClr val="0F7001"/>
-                </a:solidFill>
-                <a:latin typeface="Courier-Bold" charset="0"/>
-              </a:rPr>
-              <a:t>final</a:t>
-            </a:r>
-            <a:r>
-              <a:rPr lang="en-US" sz="1400" dirty="0" smtClean="0">
-                <a:solidFill>
-                  <a:srgbClr val="000000"/>
-                </a:solidFill>
-                <a:latin typeface="Courier" charset="0"/>
-              </a:rPr>
-              <a:t> Y var2</a:t>
-            </a:r>
-            <a:r>
-              <a:rPr lang="en-US" sz="1400" dirty="0" smtClean="0">
-                <a:solidFill>
-                  <a:srgbClr val="535353"/>
-                </a:solidFill>
-                <a:latin typeface="Courier" charset="0"/>
-              </a:rPr>
-              <a:t>;</a:t>
-            </a:r>
-            <a:endParaRPr lang="en-US" sz="1400" dirty="0" smtClean="0">
-              <a:solidFill>
-                <a:srgbClr val="000000"/>
-              </a:solidFill>
-              <a:latin typeface="Courier" charset="0"/>
-            </a:endParaRPr>
-          </a:p>
-          <a:p>
-            <a:endParaRPr lang="en-US" sz="1400" dirty="0" smtClean="0">
-              <a:solidFill>
-                <a:srgbClr val="000000"/>
-              </a:solidFill>
-              <a:latin typeface="Courier" charset="0"/>
-            </a:endParaRPr>
-          </a:p>
-          <a:p>
-            <a:r>
-              <a:rPr lang="es-ES_tradnl" sz="1400" dirty="0" smtClean="0">
-                <a:solidFill>
-                  <a:srgbClr val="000000"/>
-                </a:solidFill>
-                <a:latin typeface="Courier" charset="0"/>
-              </a:rPr>
-              <a:t>  </a:t>
-            </a:r>
-            <a:r>
-              <a:rPr lang="es-ES_tradnl" sz="1400" b="1" dirty="0" err="1" smtClean="0">
-                <a:solidFill>
-                  <a:srgbClr val="0F7001"/>
-                </a:solidFill>
-                <a:latin typeface="Courier-Bold" charset="0"/>
-              </a:rPr>
-              <a:t>public</a:t>
-            </a:r>
-            <a:r>
-              <a:rPr lang="es-ES_tradnl" sz="1400" dirty="0" smtClean="0">
-                <a:solidFill>
-                  <a:srgbClr val="000000"/>
-                </a:solidFill>
-                <a:latin typeface="Courier" charset="0"/>
-              </a:rPr>
-              <a:t> </a:t>
-            </a:r>
-            <a:r>
-              <a:rPr lang="es-ES_tradnl" sz="1400" dirty="0" smtClean="0">
-                <a:solidFill>
-                  <a:srgbClr val="0000FF"/>
-                </a:solidFill>
-                <a:latin typeface="Courier" charset="0"/>
-              </a:rPr>
-              <a:t>Gen</a:t>
-            </a:r>
-            <a:r>
-              <a:rPr lang="es-ES_tradnl" sz="1400" dirty="0" smtClean="0">
-                <a:solidFill>
-                  <a:srgbClr val="535353"/>
-                </a:solidFill>
-                <a:latin typeface="Courier" charset="0"/>
-              </a:rPr>
-              <a:t>(</a:t>
-            </a:r>
-            <a:r>
-              <a:rPr lang="es-ES_tradnl" sz="1400" dirty="0" smtClean="0">
-                <a:solidFill>
-                  <a:srgbClr val="000000"/>
-                </a:solidFill>
-                <a:latin typeface="Courier" charset="0"/>
-              </a:rPr>
-              <a:t>X </a:t>
-            </a:r>
-            <a:r>
-              <a:rPr lang="es-ES_tradnl" sz="1400" dirty="0" err="1" smtClean="0">
-                <a:solidFill>
-                  <a:srgbClr val="000000"/>
-                </a:solidFill>
-                <a:latin typeface="Courier" charset="0"/>
-              </a:rPr>
-              <a:t>x</a:t>
-            </a:r>
-            <a:r>
-              <a:rPr lang="es-ES_tradnl" sz="1400" dirty="0" err="1" smtClean="0">
-                <a:solidFill>
-                  <a:srgbClr val="535353"/>
-                </a:solidFill>
-                <a:latin typeface="Courier" charset="0"/>
-              </a:rPr>
-              <a:t>,</a:t>
-            </a:r>
-            <a:r>
-              <a:rPr lang="es-ES_tradnl" sz="1400" dirty="0" err="1" smtClean="0">
-                <a:solidFill>
-                  <a:srgbClr val="000000"/>
-                </a:solidFill>
-                <a:latin typeface="Courier" charset="0"/>
-              </a:rPr>
-              <a:t>Y</a:t>
-            </a:r>
-            <a:r>
-              <a:rPr lang="es-ES_tradnl" sz="1400" dirty="0" smtClean="0">
-                <a:solidFill>
-                  <a:srgbClr val="000000"/>
-                </a:solidFill>
-                <a:latin typeface="Courier" charset="0"/>
-              </a:rPr>
-              <a:t> y</a:t>
-            </a:r>
-            <a:r>
-              <a:rPr lang="es-ES_tradnl" sz="1400" dirty="0" smtClean="0">
-                <a:solidFill>
-                  <a:srgbClr val="535353"/>
-                </a:solidFill>
-                <a:latin typeface="Courier" charset="0"/>
-              </a:rPr>
-              <a:t>)</a:t>
-            </a:r>
-            <a:r>
-              <a:rPr lang="es-ES_tradnl" sz="1400" dirty="0" smtClean="0">
-                <a:solidFill>
-                  <a:srgbClr val="000000"/>
-                </a:solidFill>
-                <a:latin typeface="Courier" charset="0"/>
-              </a:rPr>
-              <a:t> </a:t>
-            </a:r>
-            <a:r>
-              <a:rPr lang="es-ES_tradnl" sz="1400" dirty="0" smtClean="0">
-                <a:solidFill>
-                  <a:srgbClr val="535353"/>
-                </a:solidFill>
-                <a:latin typeface="Courier" charset="0"/>
-              </a:rPr>
-              <a:t>{</a:t>
-            </a:r>
-            <a:r>
-              <a:rPr lang="es-ES_tradnl" sz="1400" dirty="0" smtClean="0">
-                <a:solidFill>
-                  <a:srgbClr val="000000"/>
-                </a:solidFill>
-                <a:latin typeface="Courier" charset="0"/>
-              </a:rPr>
-              <a:t>  </a:t>
-            </a:r>
-          </a:p>
-          <a:p>
-            <a:r>
-              <a:rPr lang="ro-RO" sz="1400" dirty="0" smtClean="0">
-                <a:solidFill>
-                  <a:srgbClr val="000000"/>
-                </a:solidFill>
-                <a:latin typeface="Courier" charset="0"/>
-              </a:rPr>
-              <a:t>    var1 </a:t>
-            </a:r>
-            <a:r>
-              <a:rPr lang="ro-RO" sz="1400" dirty="0" smtClean="0">
-                <a:solidFill>
-                  <a:srgbClr val="535353"/>
-                </a:solidFill>
-                <a:latin typeface="Courier" charset="0"/>
-              </a:rPr>
-              <a:t>=</a:t>
-            </a:r>
-            <a:r>
-              <a:rPr lang="ro-RO" sz="1400" dirty="0" smtClean="0">
-                <a:solidFill>
-                  <a:srgbClr val="000000"/>
-                </a:solidFill>
-                <a:latin typeface="Courier" charset="0"/>
-              </a:rPr>
-              <a:t> x</a:t>
-            </a:r>
-            <a:r>
-              <a:rPr lang="ro-RO" sz="1400" dirty="0" smtClean="0">
-                <a:solidFill>
-                  <a:srgbClr val="535353"/>
-                </a:solidFill>
-                <a:latin typeface="Courier" charset="0"/>
-              </a:rPr>
-              <a:t>;</a:t>
-            </a:r>
-            <a:endParaRPr lang="ro-RO" sz="1400" dirty="0" smtClean="0">
-              <a:solidFill>
-                <a:srgbClr val="000000"/>
-              </a:solidFill>
-              <a:latin typeface="Courier" charset="0"/>
-            </a:endParaRPr>
-          </a:p>
-          <a:p>
-            <a:r>
-              <a:rPr lang="ro-RO" sz="1400" dirty="0" smtClean="0">
-                <a:solidFill>
-                  <a:srgbClr val="000000"/>
-                </a:solidFill>
-                <a:latin typeface="Courier" charset="0"/>
-              </a:rPr>
-              <a:t>    var2 </a:t>
-            </a:r>
-            <a:r>
-              <a:rPr lang="ro-RO" sz="1400" dirty="0" smtClean="0">
-                <a:solidFill>
-                  <a:srgbClr val="535353"/>
-                </a:solidFill>
-                <a:latin typeface="Courier" charset="0"/>
-              </a:rPr>
-              <a:t>=</a:t>
-            </a:r>
-            <a:r>
-              <a:rPr lang="ro-RO" sz="1400" dirty="0" smtClean="0">
-                <a:solidFill>
-                  <a:srgbClr val="000000"/>
-                </a:solidFill>
-                <a:latin typeface="Courier" charset="0"/>
-              </a:rPr>
-              <a:t> y</a:t>
-            </a:r>
-            <a:r>
-              <a:rPr lang="ro-RO" sz="1400" dirty="0" smtClean="0">
-                <a:solidFill>
-                  <a:srgbClr val="535353"/>
-                </a:solidFill>
-                <a:latin typeface="Courier" charset="0"/>
-              </a:rPr>
-              <a:t>;</a:t>
-            </a:r>
-            <a:r>
-              <a:rPr lang="ro-RO" sz="1400" dirty="0" smtClean="0">
-                <a:solidFill>
-                  <a:srgbClr val="000000"/>
-                </a:solidFill>
-                <a:latin typeface="Courier" charset="0"/>
-              </a:rPr>
-              <a:t>   </a:t>
-            </a:r>
-          </a:p>
-          <a:p>
-            <a:r>
-              <a:rPr lang="de-DE" sz="1400" dirty="0" smtClean="0">
-                <a:solidFill>
-                  <a:srgbClr val="000000"/>
-                </a:solidFill>
-                <a:latin typeface="Courier" charset="0"/>
-              </a:rPr>
-              <a:t>  </a:t>
-            </a:r>
-            <a:r>
-              <a:rPr lang="de-DE" sz="1400" dirty="0" smtClean="0">
-                <a:solidFill>
-                  <a:srgbClr val="535353"/>
-                </a:solidFill>
-                <a:latin typeface="Courier" charset="0"/>
-              </a:rPr>
-              <a:t>}</a:t>
-            </a:r>
-            <a:endParaRPr lang="de-DE" sz="1400" dirty="0" smtClean="0">
-              <a:solidFill>
-                <a:srgbClr val="000000"/>
-              </a:solidFill>
-              <a:latin typeface="Courier" charset="0"/>
-            </a:endParaRPr>
-          </a:p>
-          <a:p>
-            <a:r>
-              <a:rPr lang="de-DE" sz="1400" dirty="0" smtClean="0">
-                <a:solidFill>
-                  <a:srgbClr val="000000"/>
-                </a:solidFill>
-                <a:latin typeface="Courier" charset="0"/>
-              </a:rPr>
-              <a:t>  </a:t>
-            </a:r>
-            <a:r>
-              <a:rPr lang="de-DE" sz="1400" b="1" dirty="0" err="1" smtClean="0">
-                <a:solidFill>
-                  <a:srgbClr val="0F7001"/>
-                </a:solidFill>
-                <a:latin typeface="Courier-Bold" charset="0"/>
-              </a:rPr>
-              <a:t>public</a:t>
-            </a:r>
-            <a:r>
-              <a:rPr lang="de-DE" sz="1400" dirty="0" smtClean="0">
-                <a:solidFill>
-                  <a:srgbClr val="000000"/>
-                </a:solidFill>
-                <a:latin typeface="Courier" charset="0"/>
-              </a:rPr>
-              <a:t> X </a:t>
-            </a:r>
-            <a:r>
-              <a:rPr lang="de-DE" sz="1400" dirty="0" smtClean="0">
-                <a:solidFill>
-                  <a:srgbClr val="0000FF"/>
-                </a:solidFill>
-                <a:latin typeface="Courier" charset="0"/>
-              </a:rPr>
-              <a:t>getVar1</a:t>
-            </a:r>
-            <a:r>
-              <a:rPr lang="de-DE" sz="1400" dirty="0" smtClean="0">
-                <a:solidFill>
-                  <a:srgbClr val="535353"/>
-                </a:solidFill>
-                <a:latin typeface="Courier" charset="0"/>
-              </a:rPr>
-              <a:t>()</a:t>
-            </a:r>
-            <a:r>
-              <a:rPr lang="de-DE" sz="1400" dirty="0" smtClean="0">
-                <a:solidFill>
-                  <a:srgbClr val="000000"/>
-                </a:solidFill>
-                <a:latin typeface="Courier" charset="0"/>
-              </a:rPr>
-              <a:t> </a:t>
-            </a:r>
-            <a:r>
-              <a:rPr lang="de-DE" sz="1400" dirty="0" smtClean="0">
-                <a:solidFill>
-                  <a:srgbClr val="535353"/>
-                </a:solidFill>
-                <a:latin typeface="Courier" charset="0"/>
-              </a:rPr>
-              <a:t>{</a:t>
-            </a:r>
-            <a:endParaRPr lang="de-DE" sz="1400" dirty="0" smtClean="0">
-              <a:solidFill>
-                <a:srgbClr val="000000"/>
-              </a:solidFill>
-              <a:latin typeface="Courier" charset="0"/>
-            </a:endParaRPr>
-          </a:p>
-          <a:p>
-            <a:r>
-              <a:rPr lang="de-DE" sz="1400" dirty="0" smtClean="0">
-                <a:solidFill>
-                  <a:srgbClr val="000000"/>
-                </a:solidFill>
-                <a:latin typeface="Courier" charset="0"/>
-              </a:rPr>
-              <a:t>    </a:t>
-            </a:r>
-            <a:r>
-              <a:rPr lang="de-DE" sz="1400" b="1" dirty="0" err="1" smtClean="0">
-                <a:solidFill>
-                  <a:srgbClr val="0F7001"/>
-                </a:solidFill>
-                <a:latin typeface="Courier-Bold" charset="0"/>
-              </a:rPr>
-              <a:t>return</a:t>
-            </a:r>
-            <a:r>
-              <a:rPr lang="de-DE" sz="1400" dirty="0" smtClean="0">
-                <a:solidFill>
-                  <a:srgbClr val="000000"/>
-                </a:solidFill>
-                <a:latin typeface="Courier" charset="0"/>
-              </a:rPr>
-              <a:t> var1</a:t>
-            </a:r>
-            <a:r>
-              <a:rPr lang="de-DE" sz="1400" dirty="0" smtClean="0">
-                <a:solidFill>
-                  <a:srgbClr val="535353"/>
-                </a:solidFill>
-                <a:latin typeface="Courier" charset="0"/>
-              </a:rPr>
-              <a:t>;</a:t>
-            </a:r>
-            <a:endParaRPr lang="de-DE" sz="1400" dirty="0" smtClean="0">
-              <a:solidFill>
-                <a:srgbClr val="000000"/>
-              </a:solidFill>
-              <a:latin typeface="Courier" charset="0"/>
-            </a:endParaRPr>
-          </a:p>
-          <a:p>
-            <a:r>
-              <a:rPr lang="de-DE" sz="1400" dirty="0" smtClean="0">
-                <a:solidFill>
-                  <a:srgbClr val="000000"/>
-                </a:solidFill>
-                <a:latin typeface="Courier" charset="0"/>
-              </a:rPr>
-              <a:t>  </a:t>
-            </a:r>
-            <a:r>
-              <a:rPr lang="de-DE" sz="1400" dirty="0" smtClean="0">
-                <a:solidFill>
-                  <a:srgbClr val="535353"/>
-                </a:solidFill>
-                <a:latin typeface="Courier" charset="0"/>
-              </a:rPr>
-              <a:t>}</a:t>
-            </a:r>
-            <a:endParaRPr lang="de-DE" sz="1400" dirty="0" smtClean="0">
-              <a:solidFill>
-                <a:srgbClr val="000000"/>
-              </a:solidFill>
-              <a:latin typeface="Courier" charset="0"/>
-            </a:endParaRPr>
-          </a:p>
-          <a:p>
-            <a:r>
-              <a:rPr lang="de-DE" sz="1400" dirty="0" smtClean="0">
-                <a:solidFill>
-                  <a:srgbClr val="000000"/>
-                </a:solidFill>
-                <a:latin typeface="Courier" charset="0"/>
-              </a:rPr>
-              <a:t>  </a:t>
-            </a:r>
-            <a:r>
-              <a:rPr lang="de-DE" sz="1400" b="1" dirty="0" err="1" smtClean="0">
-                <a:solidFill>
-                  <a:srgbClr val="0F7001"/>
-                </a:solidFill>
-                <a:latin typeface="Courier-Bold" charset="0"/>
-              </a:rPr>
-              <a:t>public</a:t>
-            </a:r>
-            <a:r>
-              <a:rPr lang="de-DE" sz="1400" dirty="0" smtClean="0">
-                <a:solidFill>
-                  <a:srgbClr val="000000"/>
-                </a:solidFill>
-                <a:latin typeface="Courier" charset="0"/>
-              </a:rPr>
-              <a:t> Y </a:t>
-            </a:r>
-            <a:r>
-              <a:rPr lang="de-DE" sz="1400" dirty="0" smtClean="0">
-                <a:solidFill>
-                  <a:srgbClr val="0000FF"/>
-                </a:solidFill>
-                <a:latin typeface="Courier" charset="0"/>
-              </a:rPr>
-              <a:t>getVar2</a:t>
-            </a:r>
-            <a:r>
-              <a:rPr lang="de-DE" sz="1400" dirty="0" smtClean="0">
-                <a:solidFill>
-                  <a:srgbClr val="535353"/>
-                </a:solidFill>
-                <a:latin typeface="Courier" charset="0"/>
-              </a:rPr>
-              <a:t>()</a:t>
-            </a:r>
-            <a:r>
-              <a:rPr lang="de-DE" sz="1400" dirty="0" smtClean="0">
-                <a:solidFill>
-                  <a:srgbClr val="000000"/>
-                </a:solidFill>
-                <a:latin typeface="Courier" charset="0"/>
-              </a:rPr>
-              <a:t> </a:t>
-            </a:r>
-            <a:r>
-              <a:rPr lang="de-DE" sz="1400" dirty="0" smtClean="0">
-                <a:solidFill>
-                  <a:srgbClr val="535353"/>
-                </a:solidFill>
-                <a:latin typeface="Courier" charset="0"/>
-              </a:rPr>
-              <a:t>{</a:t>
-            </a:r>
-            <a:endParaRPr lang="de-DE" sz="1400" dirty="0" smtClean="0">
-              <a:solidFill>
-                <a:srgbClr val="000000"/>
-              </a:solidFill>
-              <a:latin typeface="Courier" charset="0"/>
-            </a:endParaRPr>
-          </a:p>
-          <a:p>
-            <a:r>
-              <a:rPr lang="de-DE" sz="1400" dirty="0" smtClean="0">
-                <a:solidFill>
-                  <a:srgbClr val="000000"/>
-                </a:solidFill>
-                <a:latin typeface="Courier" charset="0"/>
-              </a:rPr>
-              <a:t>    </a:t>
-            </a:r>
-            <a:r>
-              <a:rPr lang="de-DE" sz="1400" b="1" dirty="0" err="1" smtClean="0">
-                <a:solidFill>
-                  <a:srgbClr val="0F7001"/>
-                </a:solidFill>
-                <a:latin typeface="Courier-Bold" charset="0"/>
-              </a:rPr>
-              <a:t>return</a:t>
-            </a:r>
-            <a:r>
-              <a:rPr lang="de-DE" sz="1400" dirty="0" smtClean="0">
-                <a:solidFill>
-                  <a:srgbClr val="000000"/>
-                </a:solidFill>
-                <a:latin typeface="Courier" charset="0"/>
-              </a:rPr>
-              <a:t> var2</a:t>
-            </a:r>
-            <a:r>
-              <a:rPr lang="de-DE" sz="1400" dirty="0" smtClean="0">
-                <a:solidFill>
-                  <a:srgbClr val="535353"/>
-                </a:solidFill>
-                <a:latin typeface="Courier" charset="0"/>
-              </a:rPr>
-              <a:t>;</a:t>
-            </a:r>
-            <a:endParaRPr lang="de-DE" sz="1400" dirty="0" smtClean="0">
-              <a:solidFill>
-                <a:srgbClr val="000000"/>
-              </a:solidFill>
-              <a:latin typeface="Courier" charset="0"/>
-            </a:endParaRPr>
-          </a:p>
-          <a:p>
-            <a:r>
-              <a:rPr lang="de-DE" sz="1400" dirty="0" smtClean="0">
-                <a:solidFill>
-                  <a:srgbClr val="000000"/>
-                </a:solidFill>
-                <a:latin typeface="Courier" charset="0"/>
-              </a:rPr>
-              <a:t>  </a:t>
-            </a:r>
-            <a:r>
-              <a:rPr lang="de-DE" sz="1400" dirty="0" smtClean="0">
-                <a:solidFill>
-                  <a:srgbClr val="535353"/>
-                </a:solidFill>
-                <a:latin typeface="Courier" charset="0"/>
-              </a:rPr>
-              <a:t>}</a:t>
-            </a:r>
-            <a:endParaRPr lang="de-DE" sz="1400" dirty="0" smtClean="0">
-              <a:solidFill>
-                <a:srgbClr val="000000"/>
-              </a:solidFill>
-              <a:latin typeface="Courier" charset="0"/>
-            </a:endParaRPr>
-          </a:p>
-          <a:p>
-            <a:endParaRPr lang="de-DE" sz="1400" dirty="0" smtClean="0">
-              <a:solidFill>
-                <a:srgbClr val="000000"/>
-              </a:solidFill>
-              <a:latin typeface="Courier" charset="0"/>
-            </a:endParaRPr>
-          </a:p>
-          <a:p>
-            <a:r>
-              <a:rPr lang="de-DE" sz="1400" dirty="0" smtClean="0">
-                <a:solidFill>
-                  <a:srgbClr val="000000"/>
-                </a:solidFill>
-                <a:latin typeface="Courier" charset="0"/>
-              </a:rPr>
-              <a:t>  </a:t>
-            </a:r>
-            <a:r>
-              <a:rPr lang="de-DE" sz="1400" b="1" dirty="0" err="1" smtClean="0">
-                <a:solidFill>
-                  <a:srgbClr val="0F7001"/>
-                </a:solidFill>
-                <a:latin typeface="Courier-Bold" charset="0"/>
-              </a:rPr>
-              <a:t>public</a:t>
-            </a:r>
-            <a:r>
-              <a:rPr lang="de-DE" sz="1400" dirty="0" smtClean="0">
-                <a:solidFill>
-                  <a:srgbClr val="000000"/>
-                </a:solidFill>
-                <a:latin typeface="Courier" charset="0"/>
-              </a:rPr>
-              <a:t> String </a:t>
-            </a:r>
-            <a:r>
-              <a:rPr lang="de-DE" sz="1400" dirty="0" err="1" smtClean="0">
-                <a:solidFill>
-                  <a:srgbClr val="0000FF"/>
-                </a:solidFill>
-                <a:latin typeface="Courier" charset="0"/>
-              </a:rPr>
-              <a:t>toString</a:t>
-            </a:r>
-            <a:r>
-              <a:rPr lang="de-DE" sz="1400" dirty="0" smtClean="0">
-                <a:solidFill>
-                  <a:srgbClr val="535353"/>
-                </a:solidFill>
-                <a:latin typeface="Courier" charset="0"/>
-              </a:rPr>
-              <a:t>()</a:t>
-            </a:r>
-            <a:r>
-              <a:rPr lang="de-DE" sz="1400" dirty="0" smtClean="0">
-                <a:solidFill>
-                  <a:srgbClr val="000000"/>
-                </a:solidFill>
-                <a:latin typeface="Courier" charset="0"/>
-              </a:rPr>
-              <a:t> </a:t>
-            </a:r>
-            <a:r>
-              <a:rPr lang="de-DE" sz="1400" dirty="0" smtClean="0">
-                <a:solidFill>
-                  <a:srgbClr val="535353"/>
-                </a:solidFill>
-                <a:latin typeface="Courier" charset="0"/>
-              </a:rPr>
-              <a:t>{</a:t>
-            </a:r>
-            <a:r>
-              <a:rPr lang="de-DE" sz="1400" dirty="0" smtClean="0">
-                <a:solidFill>
-                  <a:srgbClr val="000000"/>
-                </a:solidFill>
-                <a:latin typeface="Courier" charset="0"/>
-              </a:rPr>
-              <a:t> </a:t>
-            </a:r>
-          </a:p>
-          <a:p>
-            <a:r>
-              <a:rPr lang="en-US" sz="1400" dirty="0" smtClean="0">
-                <a:solidFill>
-                  <a:srgbClr val="000000"/>
-                </a:solidFill>
-                <a:latin typeface="Courier" charset="0"/>
-              </a:rPr>
-              <a:t>    </a:t>
-            </a:r>
-            <a:r>
-              <a:rPr lang="en-US" sz="1400" b="1" dirty="0" smtClean="0">
-                <a:solidFill>
-                  <a:srgbClr val="0F7001"/>
-                </a:solidFill>
-                <a:latin typeface="Courier-Bold" charset="0"/>
-              </a:rPr>
-              <a:t>return</a:t>
-            </a:r>
-            <a:r>
-              <a:rPr lang="en-US" sz="1400" dirty="0" smtClean="0">
-                <a:solidFill>
-                  <a:srgbClr val="000000"/>
-                </a:solidFill>
-                <a:latin typeface="Courier" charset="0"/>
-              </a:rPr>
-              <a:t> </a:t>
-            </a:r>
-            <a:r>
-              <a:rPr lang="en-US" sz="1400" dirty="0" smtClean="0">
-                <a:solidFill>
-                  <a:srgbClr val="A90E1A"/>
-                </a:solidFill>
-                <a:latin typeface="Courier" charset="0"/>
-              </a:rPr>
-              <a:t>"("</a:t>
-            </a:r>
-            <a:r>
-              <a:rPr lang="en-US" sz="1400" dirty="0" smtClean="0">
-                <a:solidFill>
-                  <a:srgbClr val="000000"/>
-                </a:solidFill>
-                <a:latin typeface="Courier" charset="0"/>
-              </a:rPr>
-              <a:t> </a:t>
-            </a:r>
-            <a:r>
-              <a:rPr lang="en-US" sz="1400" dirty="0" smtClean="0">
-                <a:solidFill>
-                  <a:srgbClr val="535353"/>
-                </a:solidFill>
-                <a:latin typeface="Courier" charset="0"/>
-              </a:rPr>
-              <a:t>+</a:t>
-            </a:r>
-            <a:r>
-              <a:rPr lang="en-US" sz="1400" dirty="0" smtClean="0">
-                <a:solidFill>
-                  <a:srgbClr val="000000"/>
-                </a:solidFill>
-                <a:latin typeface="Courier" charset="0"/>
-              </a:rPr>
-              <a:t> var1 </a:t>
-            </a:r>
-            <a:r>
-              <a:rPr lang="en-US" sz="1400" dirty="0" smtClean="0">
-                <a:solidFill>
-                  <a:srgbClr val="535353"/>
-                </a:solidFill>
-                <a:latin typeface="Courier" charset="0"/>
-              </a:rPr>
-              <a:t>+</a:t>
-            </a:r>
-            <a:r>
-              <a:rPr lang="en-US" sz="1400" dirty="0" smtClean="0">
-                <a:solidFill>
-                  <a:srgbClr val="000000"/>
-                </a:solidFill>
-                <a:latin typeface="Courier" charset="0"/>
-              </a:rPr>
-              <a:t> </a:t>
-            </a:r>
-            <a:r>
-              <a:rPr lang="en-US" sz="1400" dirty="0" smtClean="0">
-                <a:solidFill>
-                  <a:srgbClr val="A90E1A"/>
-                </a:solidFill>
-                <a:latin typeface="Courier" charset="0"/>
-              </a:rPr>
-              <a:t>", "</a:t>
-            </a:r>
-            <a:r>
-              <a:rPr lang="en-US" sz="1400" dirty="0" smtClean="0">
-                <a:solidFill>
-                  <a:srgbClr val="000000"/>
-                </a:solidFill>
-                <a:latin typeface="Courier" charset="0"/>
-              </a:rPr>
-              <a:t> </a:t>
-            </a:r>
-            <a:r>
-              <a:rPr lang="en-US" sz="1400" dirty="0" smtClean="0">
-                <a:solidFill>
-                  <a:srgbClr val="535353"/>
-                </a:solidFill>
-                <a:latin typeface="Courier" charset="0"/>
-              </a:rPr>
-              <a:t>+</a:t>
-            </a:r>
-            <a:r>
-              <a:rPr lang="en-US" sz="1400" dirty="0" smtClean="0">
-                <a:solidFill>
-                  <a:srgbClr val="000000"/>
-                </a:solidFill>
-                <a:latin typeface="Courier" charset="0"/>
-              </a:rPr>
-              <a:t> var2 </a:t>
-            </a:r>
-            <a:r>
-              <a:rPr lang="en-US" sz="1400" dirty="0" smtClean="0">
-                <a:solidFill>
-                  <a:srgbClr val="535353"/>
-                </a:solidFill>
-                <a:latin typeface="Courier" charset="0"/>
-              </a:rPr>
-              <a:t>+</a:t>
-            </a:r>
-            <a:r>
-              <a:rPr lang="en-US" sz="1400" dirty="0" smtClean="0">
-                <a:solidFill>
-                  <a:srgbClr val="000000"/>
-                </a:solidFill>
-                <a:latin typeface="Courier" charset="0"/>
-              </a:rPr>
-              <a:t> </a:t>
-            </a:r>
-            <a:r>
-              <a:rPr lang="en-US" sz="1400" dirty="0" smtClean="0">
-                <a:solidFill>
-                  <a:srgbClr val="A90E1A"/>
-                </a:solidFill>
-                <a:latin typeface="Courier" charset="0"/>
-              </a:rPr>
-              <a:t>")"</a:t>
-            </a:r>
-            <a:r>
-              <a:rPr lang="en-US" sz="1400" dirty="0" smtClean="0">
-                <a:solidFill>
-                  <a:srgbClr val="535353"/>
-                </a:solidFill>
-                <a:latin typeface="Courier" charset="0"/>
-              </a:rPr>
-              <a:t>;</a:t>
-            </a:r>
-            <a:r>
-              <a:rPr lang="en-US" sz="1400" dirty="0" smtClean="0">
-                <a:solidFill>
-                  <a:srgbClr val="000000"/>
-                </a:solidFill>
-                <a:latin typeface="Courier" charset="0"/>
-              </a:rPr>
-              <a:t>  </a:t>
-            </a:r>
-          </a:p>
-          <a:p>
-            <a:r>
-              <a:rPr lang="de-DE" sz="1400" dirty="0" smtClean="0">
-                <a:solidFill>
-                  <a:srgbClr val="000000"/>
-                </a:solidFill>
-                <a:latin typeface="Courier" charset="0"/>
-              </a:rPr>
-              <a:t>  </a:t>
-            </a:r>
-            <a:r>
-              <a:rPr lang="de-DE" sz="1400" dirty="0" smtClean="0">
-                <a:solidFill>
-                  <a:srgbClr val="535353"/>
-                </a:solidFill>
-                <a:latin typeface="Courier" charset="0"/>
-              </a:rPr>
-              <a:t>}</a:t>
-            </a:r>
-            <a:endParaRPr lang="de-DE" sz="1400" dirty="0" smtClean="0">
-              <a:solidFill>
-                <a:srgbClr val="000000"/>
-              </a:solidFill>
-              <a:latin typeface="Courier" charset="0"/>
-            </a:endParaRPr>
-          </a:p>
-          <a:p>
-            <a:r>
-              <a:rPr lang="de-DE" sz="1400" dirty="0" smtClean="0">
-                <a:solidFill>
-                  <a:srgbClr val="535353"/>
-                </a:solidFill>
-                <a:latin typeface="Courier" charset="0"/>
-              </a:rPr>
-              <a:t>}</a:t>
-            </a:r>
-            <a:endParaRPr lang="de-DE" sz="1400" dirty="0">
-              <a:solidFill>
-                <a:srgbClr val="000000"/>
-              </a:solidFill>
-              <a:latin typeface="Courier" charset="0"/>
-            </a:endParaRPr>
-          </a:p>
-        </p:txBody>
-      </p:sp>
-      <p:sp>
-        <p:nvSpPr>
-          <p:cNvPr id="7" name="Rectangle 6"/>
-          <p:cNvSpPr/>
-          <p:nvPr/>
-        </p:nvSpPr>
-        <p:spPr>
-          <a:xfrm>
-            <a:off x="3563888" y="3194927"/>
-            <a:ext cx="5580111" cy="1815882"/>
-          </a:xfrm>
-          <a:prstGeom prst="rect">
-            <a:avLst/>
-          </a:prstGeom>
-        </p:spPr>
-        <p:txBody>
-          <a:bodyPr wrap="square">
-            <a:spAutoFit/>
-          </a:bodyPr>
-          <a:lstStyle/>
-          <a:p>
-            <a:r>
-              <a:rPr lang="en-US" sz="1400" dirty="0">
-                <a:solidFill>
-                  <a:srgbClr val="000000"/>
-                </a:solidFill>
-                <a:latin typeface="Courier" charset="0"/>
-              </a:rPr>
-              <a:t>Gen</a:t>
-            </a:r>
-            <a:r>
-              <a:rPr lang="en-US" sz="1400" dirty="0">
-                <a:solidFill>
-                  <a:srgbClr val="535353"/>
-                </a:solidFill>
-                <a:latin typeface="Courier" charset="0"/>
-              </a:rPr>
-              <a:t>&lt;</a:t>
-            </a:r>
-            <a:r>
-              <a:rPr lang="en-US" sz="1400" dirty="0">
-                <a:solidFill>
-                  <a:srgbClr val="000000"/>
-                </a:solidFill>
-                <a:latin typeface="Courier" charset="0"/>
-              </a:rPr>
-              <a:t>String</a:t>
-            </a:r>
-            <a:r>
-              <a:rPr lang="en-US" sz="1400" dirty="0">
-                <a:solidFill>
-                  <a:srgbClr val="535353"/>
-                </a:solidFill>
-                <a:latin typeface="Courier" charset="0"/>
-              </a:rPr>
-              <a:t>,</a:t>
-            </a:r>
-            <a:r>
-              <a:rPr lang="en-US" sz="1400" dirty="0">
-                <a:solidFill>
-                  <a:srgbClr val="000000"/>
-                </a:solidFill>
-                <a:latin typeface="Courier" charset="0"/>
-              </a:rPr>
-              <a:t> String</a:t>
-            </a:r>
-            <a:r>
-              <a:rPr lang="en-US" sz="1400" dirty="0">
-                <a:solidFill>
-                  <a:srgbClr val="535353"/>
-                </a:solidFill>
-                <a:latin typeface="Courier" charset="0"/>
-              </a:rPr>
-              <a:t>&gt;</a:t>
-            </a:r>
-            <a:r>
-              <a:rPr lang="en-US" sz="1400" dirty="0">
-                <a:solidFill>
-                  <a:srgbClr val="000000"/>
-                </a:solidFill>
-                <a:latin typeface="Courier" charset="0"/>
-              </a:rPr>
-              <a:t> esempio1 </a:t>
-            </a:r>
-            <a:r>
-              <a:rPr lang="en-US" sz="1400" dirty="0">
-                <a:solidFill>
-                  <a:srgbClr val="535353"/>
-                </a:solidFill>
-                <a:latin typeface="Courier" charset="0"/>
-              </a:rPr>
-              <a:t>=</a:t>
-            </a:r>
-            <a:r>
-              <a:rPr lang="en-US" sz="1400" dirty="0">
-                <a:solidFill>
-                  <a:srgbClr val="000000"/>
-                </a:solidFill>
-                <a:latin typeface="Courier" charset="0"/>
-              </a:rPr>
-              <a:t> </a:t>
-            </a:r>
-            <a:endParaRPr lang="en-US" sz="1400" dirty="0" smtClean="0">
-              <a:solidFill>
-                <a:srgbClr val="000000"/>
-              </a:solidFill>
-              <a:latin typeface="Courier" charset="0"/>
-            </a:endParaRPr>
-          </a:p>
-          <a:p>
-            <a:r>
-              <a:rPr lang="en-US" sz="1400" b="1" dirty="0" smtClean="0">
-                <a:solidFill>
-                  <a:srgbClr val="0F7001"/>
-                </a:solidFill>
-                <a:latin typeface="Courier-Bold" charset="0"/>
-              </a:rPr>
-              <a:t>new</a:t>
-            </a:r>
-            <a:r>
-              <a:rPr lang="en-US" sz="1400" dirty="0" smtClean="0">
-                <a:solidFill>
-                  <a:srgbClr val="000000"/>
-                </a:solidFill>
-                <a:latin typeface="Courier" charset="0"/>
-              </a:rPr>
-              <a:t> </a:t>
-            </a:r>
-            <a:r>
-              <a:rPr lang="en-US" sz="1400" dirty="0">
-                <a:solidFill>
-                  <a:srgbClr val="000000"/>
-                </a:solidFill>
-                <a:latin typeface="Courier" charset="0"/>
-              </a:rPr>
-              <a:t>Gen</a:t>
-            </a:r>
-            <a:r>
-              <a:rPr lang="en-US" sz="1400" dirty="0">
-                <a:solidFill>
-                  <a:srgbClr val="535353"/>
-                </a:solidFill>
-                <a:latin typeface="Courier" charset="0"/>
-              </a:rPr>
-              <a:t>&lt;</a:t>
-            </a:r>
-            <a:r>
-              <a:rPr lang="en-US" sz="1400" dirty="0">
-                <a:solidFill>
-                  <a:srgbClr val="000000"/>
-                </a:solidFill>
-                <a:latin typeface="Courier" charset="0"/>
-              </a:rPr>
-              <a:t>String</a:t>
-            </a:r>
-            <a:r>
-              <a:rPr lang="en-US" sz="1400" dirty="0">
-                <a:solidFill>
-                  <a:srgbClr val="535353"/>
-                </a:solidFill>
-                <a:latin typeface="Courier" charset="0"/>
-              </a:rPr>
-              <a:t>,</a:t>
-            </a:r>
-            <a:r>
-              <a:rPr lang="en-US" sz="1400" dirty="0">
-                <a:solidFill>
-                  <a:srgbClr val="000000"/>
-                </a:solidFill>
-                <a:latin typeface="Courier" charset="0"/>
-              </a:rPr>
-              <a:t> String</a:t>
-            </a:r>
-            <a:r>
-              <a:rPr lang="en-US" sz="1400" dirty="0">
-                <a:solidFill>
-                  <a:srgbClr val="535353"/>
-                </a:solidFill>
-                <a:latin typeface="Courier" charset="0"/>
-              </a:rPr>
-              <a:t>&gt;(</a:t>
-            </a:r>
-            <a:r>
-              <a:rPr lang="en-US" sz="1400" dirty="0">
-                <a:solidFill>
-                  <a:srgbClr val="A90E1A"/>
-                </a:solidFill>
-                <a:latin typeface="Courier" charset="0"/>
-              </a:rPr>
-              <a:t>"</a:t>
-            </a:r>
-            <a:r>
-              <a:rPr lang="en-US" sz="1400" dirty="0" err="1">
-                <a:solidFill>
-                  <a:srgbClr val="A90E1A"/>
-                </a:solidFill>
-                <a:latin typeface="Courier" charset="0"/>
-              </a:rPr>
-              <a:t>esempio</a:t>
-            </a:r>
-            <a:r>
-              <a:rPr lang="en-US" sz="1400" dirty="0">
-                <a:solidFill>
-                  <a:srgbClr val="A90E1A"/>
-                </a:solidFill>
-                <a:latin typeface="Courier" charset="0"/>
-              </a:rPr>
-              <a:t>"</a:t>
-            </a:r>
-            <a:r>
-              <a:rPr lang="en-US" sz="1400" dirty="0">
-                <a:solidFill>
-                  <a:srgbClr val="535353"/>
-                </a:solidFill>
-                <a:latin typeface="Courier" charset="0"/>
-              </a:rPr>
-              <a:t>,</a:t>
-            </a:r>
-            <a:r>
-              <a:rPr lang="en-US" sz="1400" dirty="0">
-                <a:solidFill>
-                  <a:srgbClr val="000000"/>
-                </a:solidFill>
-                <a:latin typeface="Courier" charset="0"/>
-              </a:rPr>
-              <a:t> </a:t>
-            </a:r>
-            <a:r>
-              <a:rPr lang="en-US" sz="1400" dirty="0">
-                <a:solidFill>
-                  <a:srgbClr val="A90E1A"/>
-                </a:solidFill>
-                <a:latin typeface="Courier" charset="0"/>
-              </a:rPr>
-              <a:t>"</a:t>
-            </a:r>
-            <a:r>
-              <a:rPr lang="en-US" sz="1400" dirty="0" err="1">
-                <a:solidFill>
-                  <a:srgbClr val="A90E1A"/>
-                </a:solidFill>
-                <a:latin typeface="Courier" charset="0"/>
-              </a:rPr>
-              <a:t>uno</a:t>
-            </a:r>
-            <a:r>
-              <a:rPr lang="en-US" sz="1400" dirty="0">
-                <a:solidFill>
-                  <a:srgbClr val="A90E1A"/>
-                </a:solidFill>
-                <a:latin typeface="Courier" charset="0"/>
-              </a:rPr>
-              <a:t>"</a:t>
-            </a:r>
-            <a:r>
-              <a:rPr lang="en-US" sz="1400" dirty="0">
-                <a:solidFill>
-                  <a:srgbClr val="535353"/>
-                </a:solidFill>
-                <a:latin typeface="Courier" charset="0"/>
-              </a:rPr>
-              <a:t>);</a:t>
-            </a:r>
-            <a:endParaRPr lang="en-US" sz="1400" dirty="0">
-              <a:solidFill>
-                <a:srgbClr val="000000"/>
-              </a:solidFill>
-              <a:latin typeface="Courier" charset="0"/>
-            </a:endParaRPr>
-          </a:p>
-          <a:p>
-            <a:r>
-              <a:rPr lang="en-US" sz="1400" dirty="0">
-                <a:solidFill>
-                  <a:srgbClr val="000000"/>
-                </a:solidFill>
-                <a:latin typeface="Courier" charset="0"/>
-              </a:rPr>
-              <a:t>Gen</a:t>
-            </a:r>
-            <a:r>
-              <a:rPr lang="en-US" sz="1400" dirty="0">
-                <a:solidFill>
-                  <a:srgbClr val="535353"/>
-                </a:solidFill>
-                <a:latin typeface="Courier" charset="0"/>
-              </a:rPr>
-              <a:t>&lt;</a:t>
-            </a:r>
-            <a:r>
-              <a:rPr lang="en-US" sz="1400" dirty="0">
-                <a:solidFill>
-                  <a:srgbClr val="000000"/>
-                </a:solidFill>
-                <a:latin typeface="Courier" charset="0"/>
-              </a:rPr>
-              <a:t>String</a:t>
-            </a:r>
-            <a:r>
-              <a:rPr lang="en-US" sz="1400" dirty="0">
-                <a:solidFill>
-                  <a:srgbClr val="535353"/>
-                </a:solidFill>
-                <a:latin typeface="Courier" charset="0"/>
-              </a:rPr>
-              <a:t>,</a:t>
-            </a:r>
-            <a:r>
-              <a:rPr lang="en-US" sz="1400" dirty="0">
-                <a:solidFill>
-                  <a:srgbClr val="000000"/>
-                </a:solidFill>
-                <a:latin typeface="Courier" charset="0"/>
-              </a:rPr>
-              <a:t> Integer</a:t>
-            </a:r>
-            <a:r>
-              <a:rPr lang="en-US" sz="1400" dirty="0">
-                <a:solidFill>
-                  <a:srgbClr val="535353"/>
-                </a:solidFill>
-                <a:latin typeface="Courier" charset="0"/>
-              </a:rPr>
-              <a:t>&gt;</a:t>
-            </a:r>
-            <a:r>
-              <a:rPr lang="en-US" sz="1400" dirty="0">
-                <a:solidFill>
-                  <a:srgbClr val="000000"/>
-                </a:solidFill>
-                <a:latin typeface="Courier" charset="0"/>
-              </a:rPr>
-              <a:t> esempio2 </a:t>
-            </a:r>
-            <a:r>
-              <a:rPr lang="en-US" sz="1400" dirty="0">
-                <a:solidFill>
-                  <a:srgbClr val="535353"/>
-                </a:solidFill>
-                <a:latin typeface="Courier" charset="0"/>
-              </a:rPr>
-              <a:t>=</a:t>
-            </a:r>
-            <a:r>
-              <a:rPr lang="en-US" sz="1400" dirty="0">
-                <a:solidFill>
-                  <a:srgbClr val="000000"/>
-                </a:solidFill>
-                <a:latin typeface="Courier" charset="0"/>
-              </a:rPr>
-              <a:t> </a:t>
-            </a:r>
-            <a:endParaRPr lang="en-US" sz="1400" dirty="0" smtClean="0">
-              <a:solidFill>
-                <a:srgbClr val="000000"/>
-              </a:solidFill>
-              <a:latin typeface="Courier" charset="0"/>
-            </a:endParaRPr>
-          </a:p>
-          <a:p>
-            <a:r>
-              <a:rPr lang="en-US" sz="1400" b="1" dirty="0" smtClean="0">
-                <a:solidFill>
-                  <a:srgbClr val="0F7001"/>
-                </a:solidFill>
-                <a:latin typeface="Courier-Bold" charset="0"/>
-              </a:rPr>
-              <a:t>new</a:t>
-            </a:r>
-            <a:r>
-              <a:rPr lang="en-US" sz="1400" dirty="0" smtClean="0">
-                <a:solidFill>
-                  <a:srgbClr val="000000"/>
-                </a:solidFill>
-                <a:latin typeface="Courier" charset="0"/>
-              </a:rPr>
-              <a:t> </a:t>
-            </a:r>
-            <a:r>
-              <a:rPr lang="en-US" sz="1400" dirty="0">
-                <a:solidFill>
-                  <a:srgbClr val="000000"/>
-                </a:solidFill>
-                <a:latin typeface="Courier" charset="0"/>
-              </a:rPr>
-              <a:t>Gen</a:t>
-            </a:r>
-            <a:r>
-              <a:rPr lang="en-US" sz="1400" dirty="0">
-                <a:solidFill>
-                  <a:srgbClr val="535353"/>
-                </a:solidFill>
-                <a:latin typeface="Courier" charset="0"/>
-              </a:rPr>
-              <a:t>&lt;</a:t>
-            </a:r>
-            <a:r>
-              <a:rPr lang="en-US" sz="1400" dirty="0">
-                <a:solidFill>
-                  <a:srgbClr val="000000"/>
-                </a:solidFill>
-                <a:latin typeface="Courier" charset="0"/>
-              </a:rPr>
-              <a:t>String</a:t>
-            </a:r>
-            <a:r>
-              <a:rPr lang="en-US" sz="1400" dirty="0">
-                <a:solidFill>
-                  <a:srgbClr val="535353"/>
-                </a:solidFill>
-                <a:latin typeface="Courier" charset="0"/>
-              </a:rPr>
-              <a:t>,</a:t>
-            </a:r>
-            <a:r>
-              <a:rPr lang="en-US" sz="1400" dirty="0">
-                <a:solidFill>
-                  <a:srgbClr val="000000"/>
-                </a:solidFill>
-                <a:latin typeface="Courier" charset="0"/>
-              </a:rPr>
-              <a:t> Integer</a:t>
-            </a:r>
-            <a:r>
-              <a:rPr lang="en-US" sz="1400" dirty="0">
-                <a:solidFill>
-                  <a:srgbClr val="535353"/>
-                </a:solidFill>
-                <a:latin typeface="Courier" charset="0"/>
-              </a:rPr>
-              <a:t>&gt;(</a:t>
-            </a:r>
-            <a:r>
-              <a:rPr lang="en-US" sz="1400" dirty="0">
-                <a:solidFill>
-                  <a:srgbClr val="A90E1A"/>
-                </a:solidFill>
-                <a:latin typeface="Courier" charset="0"/>
-              </a:rPr>
-              <a:t>"</a:t>
-            </a:r>
-            <a:r>
-              <a:rPr lang="en-US" sz="1400" dirty="0" err="1">
-                <a:solidFill>
-                  <a:srgbClr val="A90E1A"/>
-                </a:solidFill>
-                <a:latin typeface="Courier" charset="0"/>
-              </a:rPr>
-              <a:t>esempio</a:t>
-            </a:r>
-            <a:r>
-              <a:rPr lang="en-US" sz="1400" dirty="0">
-                <a:solidFill>
-                  <a:srgbClr val="A90E1A"/>
-                </a:solidFill>
-                <a:latin typeface="Courier" charset="0"/>
-              </a:rPr>
-              <a:t>"</a:t>
-            </a:r>
-            <a:r>
-              <a:rPr lang="en-US" sz="1400" dirty="0">
-                <a:solidFill>
-                  <a:srgbClr val="535353"/>
-                </a:solidFill>
-                <a:latin typeface="Courier" charset="0"/>
-              </a:rPr>
-              <a:t>,</a:t>
-            </a:r>
-            <a:r>
-              <a:rPr lang="en-US" sz="1400" dirty="0">
-                <a:solidFill>
-                  <a:srgbClr val="000000"/>
-                </a:solidFill>
-                <a:latin typeface="Courier" charset="0"/>
-              </a:rPr>
-              <a:t> </a:t>
-            </a:r>
-            <a:r>
-              <a:rPr lang="en-US" sz="1400" dirty="0">
-                <a:solidFill>
-                  <a:srgbClr val="535353"/>
-                </a:solidFill>
-                <a:latin typeface="Courier" charset="0"/>
-              </a:rPr>
-              <a:t>2);</a:t>
-            </a:r>
-            <a:endParaRPr lang="en-US" sz="1400" dirty="0">
-              <a:solidFill>
-                <a:srgbClr val="000000"/>
-              </a:solidFill>
-              <a:latin typeface="Courier" charset="0"/>
-            </a:endParaRPr>
-          </a:p>
-          <a:p>
-            <a:endParaRPr lang="en-US" sz="1400" dirty="0">
-              <a:solidFill>
-                <a:srgbClr val="000000"/>
-              </a:solidFill>
-              <a:latin typeface="Courier" charset="0"/>
-            </a:endParaRPr>
-          </a:p>
-          <a:p>
-            <a:r>
-              <a:rPr lang="en-US" sz="1400" dirty="0" err="1">
-                <a:solidFill>
-                  <a:srgbClr val="000000"/>
-                </a:solidFill>
-                <a:latin typeface="Courier" charset="0"/>
-              </a:rPr>
-              <a:t>System</a:t>
-            </a:r>
-            <a:r>
-              <a:rPr lang="en-US" sz="1400" dirty="0" err="1">
-                <a:solidFill>
-                  <a:srgbClr val="535353"/>
-                </a:solidFill>
-                <a:latin typeface="Courier" charset="0"/>
-              </a:rPr>
-              <a:t>.</a:t>
-            </a:r>
-            <a:r>
-              <a:rPr lang="en-US" sz="1400" dirty="0" err="1">
-                <a:solidFill>
-                  <a:srgbClr val="6A801F"/>
-                </a:solidFill>
-                <a:latin typeface="Courier" charset="0"/>
-              </a:rPr>
-              <a:t>out</a:t>
-            </a:r>
-            <a:r>
-              <a:rPr lang="en-US" sz="1400" dirty="0" err="1">
-                <a:solidFill>
-                  <a:srgbClr val="535353"/>
-                </a:solidFill>
-                <a:latin typeface="Courier" charset="0"/>
-              </a:rPr>
-              <a:t>.</a:t>
-            </a:r>
-            <a:r>
-              <a:rPr lang="en-US" sz="1400" dirty="0" err="1">
-                <a:solidFill>
-                  <a:srgbClr val="6A801F"/>
-                </a:solidFill>
-                <a:latin typeface="Courier" charset="0"/>
-              </a:rPr>
-              <a:t>println</a:t>
-            </a:r>
-            <a:r>
-              <a:rPr lang="en-US" sz="1400" dirty="0">
-                <a:solidFill>
-                  <a:srgbClr val="535353"/>
-                </a:solidFill>
-                <a:latin typeface="Courier" charset="0"/>
-              </a:rPr>
-              <a:t>(</a:t>
-            </a:r>
-            <a:r>
-              <a:rPr lang="en-US" sz="1400" dirty="0">
-                <a:solidFill>
-                  <a:srgbClr val="A90E1A"/>
-                </a:solidFill>
-                <a:latin typeface="Courier" charset="0"/>
-              </a:rPr>
-              <a:t>"primo </a:t>
-            </a:r>
-            <a:r>
-              <a:rPr lang="en-US" sz="1400" dirty="0" err="1">
-                <a:solidFill>
-                  <a:srgbClr val="A90E1A"/>
-                </a:solidFill>
-                <a:latin typeface="Courier" charset="0"/>
-              </a:rPr>
-              <a:t>esempio</a:t>
-            </a:r>
-            <a:r>
-              <a:rPr lang="en-US" sz="1400" dirty="0">
-                <a:solidFill>
-                  <a:srgbClr val="A90E1A"/>
-                </a:solidFill>
-                <a:latin typeface="Courier" charset="0"/>
-              </a:rPr>
-              <a:t>: "</a:t>
-            </a:r>
-            <a:r>
-              <a:rPr lang="en-US" sz="1400" dirty="0">
-                <a:solidFill>
-                  <a:srgbClr val="000000"/>
-                </a:solidFill>
-                <a:latin typeface="Courier" charset="0"/>
-              </a:rPr>
-              <a:t> </a:t>
-            </a:r>
-            <a:r>
-              <a:rPr lang="en-US" sz="1400" dirty="0">
-                <a:solidFill>
-                  <a:srgbClr val="535353"/>
-                </a:solidFill>
-                <a:latin typeface="Courier" charset="0"/>
-              </a:rPr>
-              <a:t>+</a:t>
-            </a:r>
-            <a:r>
-              <a:rPr lang="en-US" sz="1400" dirty="0">
-                <a:solidFill>
-                  <a:srgbClr val="000000"/>
-                </a:solidFill>
-                <a:latin typeface="Courier" charset="0"/>
-              </a:rPr>
-              <a:t> esempio1</a:t>
-            </a:r>
-            <a:r>
-              <a:rPr lang="en-US" sz="1400" dirty="0">
-                <a:solidFill>
-                  <a:srgbClr val="535353"/>
-                </a:solidFill>
-                <a:latin typeface="Courier" charset="0"/>
-              </a:rPr>
-              <a:t>);</a:t>
-            </a:r>
-            <a:endParaRPr lang="en-US" sz="1400" dirty="0">
-              <a:solidFill>
-                <a:srgbClr val="000000"/>
-              </a:solidFill>
-              <a:latin typeface="Courier" charset="0"/>
-            </a:endParaRPr>
-          </a:p>
-          <a:p>
-            <a:r>
-              <a:rPr lang="en-US" sz="1400" dirty="0" err="1">
-                <a:solidFill>
-                  <a:srgbClr val="000000"/>
-                </a:solidFill>
-                <a:latin typeface="Courier" charset="0"/>
-              </a:rPr>
-              <a:t>System</a:t>
-            </a:r>
-            <a:r>
-              <a:rPr lang="en-US" sz="1400" dirty="0" err="1">
-                <a:solidFill>
-                  <a:srgbClr val="535353"/>
-                </a:solidFill>
-                <a:latin typeface="Courier" charset="0"/>
-              </a:rPr>
-              <a:t>.</a:t>
-            </a:r>
-            <a:r>
-              <a:rPr lang="en-US" sz="1400" dirty="0" err="1">
-                <a:solidFill>
-                  <a:srgbClr val="6A801F"/>
-                </a:solidFill>
-                <a:latin typeface="Courier" charset="0"/>
-              </a:rPr>
-              <a:t>out</a:t>
-            </a:r>
-            <a:r>
-              <a:rPr lang="en-US" sz="1400" dirty="0" err="1">
-                <a:solidFill>
-                  <a:srgbClr val="535353"/>
-                </a:solidFill>
-                <a:latin typeface="Courier" charset="0"/>
-              </a:rPr>
-              <a:t>.</a:t>
-            </a:r>
-            <a:r>
-              <a:rPr lang="en-US" sz="1400" dirty="0" err="1">
-                <a:solidFill>
-                  <a:srgbClr val="6A801F"/>
-                </a:solidFill>
-                <a:latin typeface="Courier" charset="0"/>
-              </a:rPr>
-              <a:t>println</a:t>
-            </a:r>
-            <a:r>
-              <a:rPr lang="en-US" sz="1400" dirty="0">
-                <a:solidFill>
-                  <a:srgbClr val="535353"/>
-                </a:solidFill>
-                <a:latin typeface="Courier" charset="0"/>
-              </a:rPr>
-              <a:t>(</a:t>
-            </a:r>
-            <a:r>
-              <a:rPr lang="en-US" sz="1400" dirty="0">
-                <a:solidFill>
-                  <a:srgbClr val="A90E1A"/>
-                </a:solidFill>
-                <a:latin typeface="Courier" charset="0"/>
-              </a:rPr>
-              <a:t>"secondo </a:t>
-            </a:r>
-            <a:r>
-              <a:rPr lang="en-US" sz="1400" dirty="0" err="1">
-                <a:solidFill>
-                  <a:srgbClr val="A90E1A"/>
-                </a:solidFill>
-                <a:latin typeface="Courier" charset="0"/>
-              </a:rPr>
-              <a:t>esempio</a:t>
-            </a:r>
-            <a:r>
-              <a:rPr lang="en-US" sz="1400" dirty="0">
-                <a:solidFill>
-                  <a:srgbClr val="A90E1A"/>
-                </a:solidFill>
-                <a:latin typeface="Courier" charset="0"/>
-              </a:rPr>
-              <a:t>: "</a:t>
-            </a:r>
-            <a:r>
-              <a:rPr lang="en-US" sz="1400" dirty="0">
-                <a:solidFill>
-                  <a:srgbClr val="000000"/>
-                </a:solidFill>
-                <a:latin typeface="Courier" charset="0"/>
-              </a:rPr>
-              <a:t> </a:t>
-            </a:r>
-            <a:r>
-              <a:rPr lang="en-US" sz="1400" dirty="0">
-                <a:solidFill>
-                  <a:srgbClr val="535353"/>
-                </a:solidFill>
-                <a:latin typeface="Courier" charset="0"/>
-              </a:rPr>
-              <a:t>+</a:t>
-            </a:r>
-            <a:r>
-              <a:rPr lang="en-US" sz="1400" dirty="0">
-                <a:solidFill>
-                  <a:srgbClr val="000000"/>
-                </a:solidFill>
-                <a:latin typeface="Courier" charset="0"/>
-              </a:rPr>
-              <a:t> esempio2</a:t>
-            </a:r>
-            <a:r>
-              <a:rPr lang="en-US" sz="1400" dirty="0">
-                <a:solidFill>
-                  <a:srgbClr val="535353"/>
-                </a:solidFill>
-                <a:latin typeface="Courier" charset="0"/>
-              </a:rPr>
-              <a:t>);</a:t>
-            </a:r>
-            <a:endParaRPr lang="en-US" sz="1400" dirty="0">
-              <a:solidFill>
-                <a:srgbClr val="000000"/>
-              </a:solidFill>
-              <a:latin typeface="Courier" charset="0"/>
-            </a:endParaRPr>
-          </a:p>
-        </p:txBody>
-      </p:sp>
+      </p:pic>
     </p:spTree>
     <p:extLst>
       <p:ext uri="{BB962C8B-B14F-4D97-AF65-F5344CB8AC3E}">
-        <p14:creationId xmlns:p14="http://schemas.microsoft.com/office/powerpoint/2010/main" val="1494214961"/>
+        <p14:creationId xmlns:p14="http://schemas.microsoft.com/office/powerpoint/2010/main" val="2079600710"/>
       </p:ext>
     </p:extLst>
   </p:cSld>
